--- a/spark/03-RDDs/01-BasicRdds.pptx
+++ b/spark/03-RDDs/01-BasicRdds.pptx
@@ -269,7 +269,7 @@
           <a:p>
             <a:fld id="{B1258F8C-E849-F148-BF62-3FFCB3EA6A2E}" type="datetimeFigureOut">
               <a:rPr lang="en-US" smtClean="0"/>
-              <a:t>12/28/18</a:t>
+              <a:t>1/7/19</a:t>
             </a:fld>
             <a:endParaRPr lang="en-US"/>
           </a:p>
@@ -467,7 +467,7 @@
           <a:p>
             <a:fld id="{B1258F8C-E849-F148-BF62-3FFCB3EA6A2E}" type="datetimeFigureOut">
               <a:rPr lang="en-US" smtClean="0"/>
-              <a:t>12/28/18</a:t>
+              <a:t>1/7/19</a:t>
             </a:fld>
             <a:endParaRPr lang="en-US"/>
           </a:p>
@@ -675,7 +675,7 @@
           <a:p>
             <a:fld id="{B1258F8C-E849-F148-BF62-3FFCB3EA6A2E}" type="datetimeFigureOut">
               <a:rPr lang="en-US" smtClean="0"/>
-              <a:t>12/28/18</a:t>
+              <a:t>1/7/19</a:t>
             </a:fld>
             <a:endParaRPr lang="en-US"/>
           </a:p>
@@ -873,7 +873,7 @@
           <a:p>
             <a:fld id="{B1258F8C-E849-F148-BF62-3FFCB3EA6A2E}" type="datetimeFigureOut">
               <a:rPr lang="en-US" smtClean="0"/>
-              <a:t>12/28/18</a:t>
+              <a:t>1/7/19</a:t>
             </a:fld>
             <a:endParaRPr lang="en-US"/>
           </a:p>
@@ -1148,7 +1148,7 @@
           <a:p>
             <a:fld id="{B1258F8C-E849-F148-BF62-3FFCB3EA6A2E}" type="datetimeFigureOut">
               <a:rPr lang="en-US" smtClean="0"/>
-              <a:t>12/28/18</a:t>
+              <a:t>1/7/19</a:t>
             </a:fld>
             <a:endParaRPr lang="en-US"/>
           </a:p>
@@ -1413,7 +1413,7 @@
           <a:p>
             <a:fld id="{B1258F8C-E849-F148-BF62-3FFCB3EA6A2E}" type="datetimeFigureOut">
               <a:rPr lang="en-US" smtClean="0"/>
-              <a:t>12/28/18</a:t>
+              <a:t>1/7/19</a:t>
             </a:fld>
             <a:endParaRPr lang="en-US"/>
           </a:p>
@@ -1825,7 +1825,7 @@
           <a:p>
             <a:fld id="{B1258F8C-E849-F148-BF62-3FFCB3EA6A2E}" type="datetimeFigureOut">
               <a:rPr lang="en-US" smtClean="0"/>
-              <a:t>12/28/18</a:t>
+              <a:t>1/7/19</a:t>
             </a:fld>
             <a:endParaRPr lang="en-US"/>
           </a:p>
@@ -1966,7 +1966,7 @@
           <a:p>
             <a:fld id="{B1258F8C-E849-F148-BF62-3FFCB3EA6A2E}" type="datetimeFigureOut">
               <a:rPr lang="en-US" smtClean="0"/>
-              <a:t>12/28/18</a:t>
+              <a:t>1/7/19</a:t>
             </a:fld>
             <a:endParaRPr lang="en-US"/>
           </a:p>
@@ -2079,7 +2079,7 @@
           <a:p>
             <a:fld id="{B1258F8C-E849-F148-BF62-3FFCB3EA6A2E}" type="datetimeFigureOut">
               <a:rPr lang="en-US" smtClean="0"/>
-              <a:t>12/28/18</a:t>
+              <a:t>1/7/19</a:t>
             </a:fld>
             <a:endParaRPr lang="en-US"/>
           </a:p>
@@ -2390,7 +2390,7 @@
           <a:p>
             <a:fld id="{B1258F8C-E849-F148-BF62-3FFCB3EA6A2E}" type="datetimeFigureOut">
               <a:rPr lang="en-US" smtClean="0"/>
-              <a:t>12/28/18</a:t>
+              <a:t>1/7/19</a:t>
             </a:fld>
             <a:endParaRPr lang="en-US"/>
           </a:p>
@@ -2678,7 +2678,7 @@
           <a:p>
             <a:fld id="{B1258F8C-E849-F148-BF62-3FFCB3EA6A2E}" type="datetimeFigureOut">
               <a:rPr lang="en-US" smtClean="0"/>
-              <a:t>12/28/18</a:t>
+              <a:t>1/7/19</a:t>
             </a:fld>
             <a:endParaRPr lang="en-US"/>
           </a:p>
@@ -2919,7 +2919,7 @@
           <a:p>
             <a:fld id="{B1258F8C-E849-F148-BF62-3FFCB3EA6A2E}" type="datetimeFigureOut">
               <a:rPr lang="en-US" smtClean="0"/>
-              <a:t>12/28/18</a:t>
+              <a:t>1/7/19</a:t>
             </a:fld>
             <a:endParaRPr lang="en-US"/>
           </a:p>
@@ -3620,45 +3620,76 @@
         </p:nvSpPr>
         <p:spPr/>
         <p:txBody>
-          <a:bodyPr/>
-          <a:lstStyle/>
-          <a:p>
-            <a:r>
-              <a:rPr lang="en-US" b="1" dirty="0"/>
-              <a:t>Resilient Distributed Datasets (RDDs)</a:t>
-            </a:r>
+          <a:bodyPr>
+            <a:noAutofit/>
+          </a:bodyPr>
+          <a:lstStyle/>
+          <a:p>
+            <a:r>
+              <a:rPr lang="en-US" sz="3200" dirty="0"/>
+              <a:t>Lazy Evaluation - An execution plan, a DAG (directed acyclic graph) of tasks is sent to the workers.  It is not executed until an action is run</a:t>
+            </a:r>
+          </a:p>
+        </p:txBody>
+      </p:sp>
+      <p:sp>
+        <p:nvSpPr>
+          <p:cNvPr id="3" name="Content Placeholder 2">
+            <a:extLst>
+              <a:ext uri="{FF2B5EF4-FFF2-40B4-BE49-F238E27FC236}">
+                <a16:creationId xmlns:a16="http://schemas.microsoft.com/office/drawing/2014/main" id="{EB9D4128-0712-E640-A8A4-E39810CE66F3}"/>
+              </a:ext>
+            </a:extLst>
+          </p:cNvPr>
+          <p:cNvSpPr>
+            <a:spLocks noGrp="1"/>
+          </p:cNvSpPr>
+          <p:nvPr>
+            <p:ph idx="1"/>
+          </p:nvPr>
+        </p:nvSpPr>
+        <p:spPr/>
+        <p:txBody>
+          <a:bodyPr/>
+          <a:lstStyle/>
+          <a:p>
+            <a:pPr marL="0" indent="0">
+              <a:buNone/>
+            </a:pPr>
             <a:endParaRPr lang="en-US" dirty="0"/>
           </a:p>
         </p:txBody>
       </p:sp>
-      <p:sp>
-        <p:nvSpPr>
-          <p:cNvPr id="3" name="Content Placeholder 2">
-            <a:extLst>
-              <a:ext uri="{FF2B5EF4-FFF2-40B4-BE49-F238E27FC236}">
-                <a16:creationId xmlns:a16="http://schemas.microsoft.com/office/drawing/2014/main" id="{EB9D4128-0712-E640-A8A4-E39810CE66F3}"/>
-              </a:ext>
-            </a:extLst>
-          </p:cNvPr>
-          <p:cNvSpPr>
-            <a:spLocks noGrp="1"/>
-          </p:cNvSpPr>
-          <p:nvPr>
-            <p:ph idx="1"/>
-          </p:nvPr>
-        </p:nvSpPr>
-        <p:spPr/>
-        <p:txBody>
-          <a:bodyPr/>
-          <a:lstStyle/>
-          <a:p>
-            <a:r>
-              <a:rPr lang="en-US" dirty="0"/>
-              <a:t>Lazy Evaluation</a:t>
-            </a:r>
-          </a:p>
-        </p:txBody>
-      </p:sp>
+      <p:pic>
+        <p:nvPicPr>
+          <p:cNvPr id="5" name="Picture 4" descr="A picture containing sky, screenshot&#13;&#10;&#13;&#10;Description automatically generated">
+            <a:extLst>
+              <a:ext uri="{FF2B5EF4-FFF2-40B4-BE49-F238E27FC236}">
+                <a16:creationId xmlns:a16="http://schemas.microsoft.com/office/drawing/2014/main" id="{E53DA9E0-87AF-2640-A836-C8CD5D820CEB}"/>
+              </a:ext>
+            </a:extLst>
+          </p:cNvPr>
+          <p:cNvPicPr>
+            <a:picLocks noChangeAspect="1"/>
+          </p:cNvPicPr>
+          <p:nvPr/>
+        </p:nvPicPr>
+        <p:blipFill>
+          <a:blip r:embed="rId2"/>
+          <a:stretch>
+            <a:fillRect/>
+          </a:stretch>
+        </p:blipFill>
+        <p:spPr>
+          <a:xfrm>
+            <a:off x="3255919" y="1997612"/>
+            <a:ext cx="5028282" cy="4179351"/>
+          </a:xfrm>
+          <a:prstGeom prst="rect">
+            <a:avLst/>
+          </a:prstGeom>
+        </p:spPr>
+      </p:pic>
     </p:spTree>
     <p:extLst>
       <p:ext uri="{BB962C8B-B14F-4D97-AF65-F5344CB8AC3E}">
@@ -3768,6 +3799,23 @@
               <a:t>Immutable – once created you cannot change them.  Instead you perform transformations on them and create new RDDs.</a:t>
             </a:r>
           </a:p>
+          <a:p>
+            <a:r>
+              <a:rPr lang="en-US" dirty="0"/>
+              <a:t>Unstructured and semi-structured data</a:t>
+            </a:r>
+          </a:p>
+          <a:p>
+            <a:r>
+              <a:rPr lang="en-US" dirty="0"/>
+              <a:t>Many input sources : HDFS, S3, csv, </a:t>
+            </a:r>
+            <a:r>
+              <a:rPr lang="en-US" dirty="0" err="1"/>
+              <a:t>json</a:t>
+            </a:r>
+            <a:endParaRPr lang="en-US" dirty="0"/>
+          </a:p>
         </p:txBody>
       </p:sp>
     </p:spTree>
@@ -3860,7 +3908,7 @@
             </a:pPr>
             <a:r>
               <a:rPr lang="en-US" dirty="0"/>
-              <a:t>You can create an RDD in one of two ways:</a:t>
+              <a:t>You can create an RDD in one of three ways:</a:t>
             </a:r>
           </a:p>
           <a:p>
@@ -3889,6 +3937,12 @@
               <a:t>InputFormat</a:t>
             </a:r>
             <a:endParaRPr lang="en-US" dirty="0"/>
+          </a:p>
+          <a:p>
+            <a:r>
+              <a:rPr lang="en-US" dirty="0"/>
+              <a:t>By transformations on another RDD</a:t>
+            </a:r>
           </a:p>
         </p:txBody>
       </p:sp>

--- a/spark/03-RDDs/01-BasicRdds.pptx
+++ b/spark/03-RDDs/01-BasicRdds.pptx
@@ -7,15 +7,19 @@
   <p:sldIdLst>
     <p:sldId id="256" r:id="rId2"/>
     <p:sldId id="257" r:id="rId3"/>
-    <p:sldId id="258" r:id="rId4"/>
-    <p:sldId id="259" r:id="rId5"/>
-    <p:sldId id="260" r:id="rId6"/>
-    <p:sldId id="262" r:id="rId7"/>
-    <p:sldId id="261" r:id="rId8"/>
-    <p:sldId id="263" r:id="rId9"/>
-    <p:sldId id="264" r:id="rId10"/>
-    <p:sldId id="265" r:id="rId11"/>
-    <p:sldId id="266" r:id="rId12"/>
+    <p:sldId id="267" r:id="rId4"/>
+    <p:sldId id="268" r:id="rId5"/>
+    <p:sldId id="258" r:id="rId6"/>
+    <p:sldId id="259" r:id="rId7"/>
+    <p:sldId id="260" r:id="rId8"/>
+    <p:sldId id="262" r:id="rId9"/>
+    <p:sldId id="261" r:id="rId10"/>
+    <p:sldId id="269" r:id="rId11"/>
+    <p:sldId id="263" r:id="rId12"/>
+    <p:sldId id="265" r:id="rId13"/>
+    <p:sldId id="270" r:id="rId14"/>
+    <p:sldId id="264" r:id="rId15"/>
+    <p:sldId id="266" r:id="rId16"/>
   </p:sldIdLst>
   <p:sldSz cx="12192000" cy="6858000"/>
   <p:notesSz cx="6858000" cy="9144000"/>
@@ -3430,6 +3434,583 @@
           <p:cNvPr id="2" name="Title 1">
             <a:extLst>
               <a:ext uri="{FF2B5EF4-FFF2-40B4-BE49-F238E27FC236}">
+                <a16:creationId xmlns:a16="http://schemas.microsoft.com/office/drawing/2014/main" id="{B29AD8AE-93D5-5D43-8E85-84279AAB7545}"/>
+              </a:ext>
+            </a:extLst>
+          </p:cNvPr>
+          <p:cNvSpPr>
+            <a:spLocks noGrp="1"/>
+          </p:cNvSpPr>
+          <p:nvPr>
+            <p:ph type="title"/>
+          </p:nvPr>
+        </p:nvSpPr>
+        <p:spPr/>
+        <p:txBody>
+          <a:bodyPr/>
+          <a:lstStyle/>
+          <a:p>
+            <a:r>
+              <a:rPr lang="en-US" dirty="0"/>
+              <a:t>Basic Transformations</a:t>
+            </a:r>
+          </a:p>
+        </p:txBody>
+      </p:sp>
+      <p:sp>
+        <p:nvSpPr>
+          <p:cNvPr id="3" name="Content Placeholder 2">
+            <a:extLst>
+              <a:ext uri="{FF2B5EF4-FFF2-40B4-BE49-F238E27FC236}">
+                <a16:creationId xmlns:a16="http://schemas.microsoft.com/office/drawing/2014/main" id="{3C498C54-75B2-3A47-B980-FB2B8F2147B5}"/>
+              </a:ext>
+            </a:extLst>
+          </p:cNvPr>
+          <p:cNvSpPr>
+            <a:spLocks noGrp="1"/>
+          </p:cNvSpPr>
+          <p:nvPr>
+            <p:ph idx="1"/>
+          </p:nvPr>
+        </p:nvSpPr>
+        <p:spPr/>
+        <p:txBody>
+          <a:bodyPr/>
+          <a:lstStyle/>
+          <a:p>
+            <a:pPr marL="0" indent="0">
+              <a:spcBef>
+                <a:spcPts val="0"/>
+              </a:spcBef>
+              <a:buNone/>
+            </a:pPr>
+            <a:r>
+              <a:rPr lang="en-US" dirty="0" err="1">
+                <a:latin typeface="Consolas"/>
+                <a:cs typeface="Consolas"/>
+              </a:rPr>
+              <a:t>nums</a:t>
+            </a:r>
+            <a:r>
+              <a:rPr lang="en-US" dirty="0">
+                <a:latin typeface="Consolas"/>
+                <a:cs typeface="Consolas"/>
+              </a:rPr>
+              <a:t> = </a:t>
+            </a:r>
+            <a:r>
+              <a:rPr lang="en-US" dirty="0" err="1">
+                <a:latin typeface="Consolas"/>
+                <a:cs typeface="Consolas"/>
+              </a:rPr>
+              <a:t>sc.parallelize</a:t>
+            </a:r>
+            <a:r>
+              <a:rPr lang="en-US" dirty="0">
+                <a:latin typeface="Consolas"/>
+                <a:cs typeface="Consolas"/>
+              </a:rPr>
+              <a:t>([1, 2, 3])</a:t>
+            </a:r>
+            <a:br>
+              <a:rPr lang="en-US" dirty="0">
+                <a:latin typeface="Consolas"/>
+                <a:cs typeface="Consolas"/>
+              </a:rPr>
+            </a:br>
+            <a:endParaRPr lang="en-US" dirty="0">
+              <a:latin typeface="Consolas"/>
+              <a:cs typeface="Consolas"/>
+            </a:endParaRPr>
+          </a:p>
+          <a:p>
+            <a:pPr marL="0" indent="0">
+              <a:spcBef>
+                <a:spcPts val="0"/>
+              </a:spcBef>
+              <a:buNone/>
+            </a:pPr>
+            <a:r>
+              <a:rPr lang="en-US" dirty="0">
+                <a:solidFill>
+                  <a:srgbClr val="008040"/>
+                </a:solidFill>
+                <a:latin typeface="Consolas"/>
+                <a:cs typeface="Consolas"/>
+              </a:rPr>
+              <a:t># Pass each element through a function</a:t>
+            </a:r>
+          </a:p>
+          <a:p>
+            <a:pPr marL="0" indent="0">
+              <a:spcBef>
+                <a:spcPts val="0"/>
+              </a:spcBef>
+              <a:buNone/>
+            </a:pPr>
+            <a:r>
+              <a:rPr lang="en-US" dirty="0">
+                <a:latin typeface="Consolas"/>
+                <a:cs typeface="Consolas"/>
+              </a:rPr>
+              <a:t>squares = </a:t>
+            </a:r>
+            <a:r>
+              <a:rPr lang="en-US" dirty="0" err="1">
+                <a:latin typeface="Consolas"/>
+                <a:cs typeface="Consolas"/>
+              </a:rPr>
+              <a:t>nums.</a:t>
+            </a:r>
+            <a:r>
+              <a:rPr lang="en-US" dirty="0" err="1">
+                <a:solidFill>
+                  <a:srgbClr val="3366FF"/>
+                </a:solidFill>
+                <a:latin typeface="Consolas"/>
+                <a:cs typeface="Consolas"/>
+              </a:rPr>
+              <a:t>map</a:t>
+            </a:r>
+            <a:r>
+              <a:rPr lang="en-US" dirty="0">
+                <a:latin typeface="Consolas"/>
+                <a:cs typeface="Consolas"/>
+              </a:rPr>
+              <a:t>(</a:t>
+            </a:r>
+            <a:r>
+              <a:rPr lang="en-US" dirty="0">
+                <a:solidFill>
+                  <a:srgbClr val="FF0080"/>
+                </a:solidFill>
+                <a:latin typeface="Consolas"/>
+                <a:cs typeface="Consolas"/>
+              </a:rPr>
+              <a:t>lambda x: x*x</a:t>
+            </a:r>
+            <a:r>
+              <a:rPr lang="en-US" dirty="0">
+                <a:latin typeface="Consolas"/>
+                <a:cs typeface="Consolas"/>
+              </a:rPr>
+              <a:t>)   </a:t>
+            </a:r>
+            <a:r>
+              <a:rPr lang="en-US" dirty="0">
+                <a:solidFill>
+                  <a:srgbClr val="008040"/>
+                </a:solidFill>
+                <a:latin typeface="Consolas"/>
+                <a:cs typeface="Consolas"/>
+              </a:rPr>
+              <a:t># =&gt; {1, 4, 9}</a:t>
+            </a:r>
+          </a:p>
+          <a:p>
+            <a:pPr marL="0" indent="0">
+              <a:spcBef>
+                <a:spcPts val="0"/>
+              </a:spcBef>
+              <a:buNone/>
+            </a:pPr>
+            <a:endParaRPr lang="en-US" dirty="0">
+              <a:latin typeface="Consolas"/>
+              <a:cs typeface="Consolas"/>
+            </a:endParaRPr>
+          </a:p>
+          <a:p>
+            <a:pPr marL="0" indent="0">
+              <a:spcBef>
+                <a:spcPts val="0"/>
+              </a:spcBef>
+              <a:buNone/>
+            </a:pPr>
+            <a:r>
+              <a:rPr lang="en-US" dirty="0">
+                <a:solidFill>
+                  <a:srgbClr val="008040"/>
+                </a:solidFill>
+                <a:latin typeface="Consolas"/>
+                <a:cs typeface="Consolas"/>
+              </a:rPr>
+              <a:t># Keep elements passing a predicate</a:t>
+            </a:r>
+            <a:endParaRPr lang="en-US" dirty="0">
+              <a:latin typeface="Consolas"/>
+              <a:cs typeface="Consolas"/>
+            </a:endParaRPr>
+          </a:p>
+          <a:p>
+            <a:pPr marL="0" indent="0">
+              <a:spcBef>
+                <a:spcPts val="0"/>
+              </a:spcBef>
+              <a:buNone/>
+            </a:pPr>
+            <a:r>
+              <a:rPr lang="en-US" dirty="0">
+                <a:latin typeface="Consolas"/>
+                <a:cs typeface="Consolas"/>
+              </a:rPr>
+              <a:t>even = </a:t>
+            </a:r>
+            <a:r>
+              <a:rPr lang="en-US" dirty="0" err="1">
+                <a:latin typeface="Consolas"/>
+                <a:cs typeface="Consolas"/>
+              </a:rPr>
+              <a:t>squares.</a:t>
+            </a:r>
+            <a:r>
+              <a:rPr lang="en-US" dirty="0" err="1">
+                <a:solidFill>
+                  <a:srgbClr val="3366FF"/>
+                </a:solidFill>
+                <a:latin typeface="Consolas"/>
+                <a:cs typeface="Consolas"/>
+              </a:rPr>
+              <a:t>filter</a:t>
+            </a:r>
+            <a:r>
+              <a:rPr lang="en-US" dirty="0">
+                <a:latin typeface="Consolas"/>
+                <a:cs typeface="Consolas"/>
+              </a:rPr>
+              <a:t>(</a:t>
+            </a:r>
+            <a:r>
+              <a:rPr lang="en-US" dirty="0">
+                <a:solidFill>
+                  <a:srgbClr val="FF0080"/>
+                </a:solidFill>
+                <a:latin typeface="Consolas"/>
+                <a:cs typeface="Consolas"/>
+              </a:rPr>
+              <a:t>lambda x: x % 2 == 0</a:t>
+            </a:r>
+            <a:r>
+              <a:rPr lang="en-US" dirty="0">
+                <a:latin typeface="Consolas"/>
+                <a:cs typeface="Consolas"/>
+              </a:rPr>
+              <a:t>) </a:t>
+            </a:r>
+            <a:r>
+              <a:rPr lang="en-US" dirty="0">
+                <a:solidFill>
+                  <a:srgbClr val="008040"/>
+                </a:solidFill>
+                <a:latin typeface="Consolas"/>
+                <a:cs typeface="Consolas"/>
+              </a:rPr>
+              <a:t># =&gt; {4}</a:t>
+            </a:r>
+          </a:p>
+          <a:p>
+            <a:pPr marL="0" indent="0">
+              <a:spcBef>
+                <a:spcPts val="0"/>
+              </a:spcBef>
+              <a:buNone/>
+            </a:pPr>
+            <a:endParaRPr lang="en-US" dirty="0">
+              <a:solidFill>
+                <a:srgbClr val="008040"/>
+              </a:solidFill>
+              <a:latin typeface="Consolas"/>
+              <a:cs typeface="Consolas"/>
+            </a:endParaRPr>
+          </a:p>
+          <a:p>
+            <a:pPr marL="0" indent="0">
+              <a:spcBef>
+                <a:spcPts val="0"/>
+              </a:spcBef>
+              <a:buNone/>
+            </a:pPr>
+            <a:r>
+              <a:rPr lang="en-US" dirty="0">
+                <a:solidFill>
+                  <a:srgbClr val="008040"/>
+                </a:solidFill>
+                <a:latin typeface="Consolas"/>
+                <a:cs typeface="Consolas"/>
+              </a:rPr>
+              <a:t># Map each element to zero or more others</a:t>
+            </a:r>
+          </a:p>
+          <a:p>
+            <a:pPr marL="0" indent="0">
+              <a:spcBef>
+                <a:spcPts val="0"/>
+              </a:spcBef>
+              <a:buNone/>
+            </a:pPr>
+            <a:r>
+              <a:rPr lang="en-US" dirty="0" err="1">
+                <a:latin typeface="Consolas"/>
+                <a:cs typeface="Consolas"/>
+              </a:rPr>
+              <a:t>nums.</a:t>
+            </a:r>
+            <a:r>
+              <a:rPr lang="en-US" dirty="0" err="1">
+                <a:solidFill>
+                  <a:srgbClr val="3366FF"/>
+                </a:solidFill>
+                <a:latin typeface="Consolas"/>
+                <a:cs typeface="Consolas"/>
+              </a:rPr>
+              <a:t>flatMap</a:t>
+            </a:r>
+            <a:r>
+              <a:rPr lang="en-US" dirty="0">
+                <a:latin typeface="Consolas"/>
+                <a:cs typeface="Consolas"/>
+              </a:rPr>
+              <a:t>(</a:t>
+            </a:r>
+            <a:r>
+              <a:rPr lang="en-US" dirty="0">
+                <a:solidFill>
+                  <a:srgbClr val="FF0080"/>
+                </a:solidFill>
+                <a:latin typeface="Consolas"/>
+                <a:cs typeface="Consolas"/>
+              </a:rPr>
+              <a:t>lambda x: range(0, x)</a:t>
+            </a:r>
+            <a:r>
+              <a:rPr lang="en-US" dirty="0">
+                <a:latin typeface="Consolas"/>
+                <a:cs typeface="Consolas"/>
+              </a:rPr>
+              <a:t>)  </a:t>
+            </a:r>
+            <a:r>
+              <a:rPr lang="en-US" dirty="0">
+                <a:solidFill>
+                  <a:srgbClr val="008040"/>
+                </a:solidFill>
+                <a:latin typeface="Consolas"/>
+                <a:cs typeface="Consolas"/>
+              </a:rPr>
+              <a:t># =&gt; {0, 0, 1, 0, 1, 2}</a:t>
+            </a:r>
+          </a:p>
+          <a:p>
+            <a:endParaRPr lang="en-US" dirty="0"/>
+          </a:p>
+        </p:txBody>
+      </p:sp>
+    </p:spTree>
+    <p:extLst>
+      <p:ext uri="{BB962C8B-B14F-4D97-AF65-F5344CB8AC3E}">
+        <p14:creationId xmlns:p14="http://schemas.microsoft.com/office/powerpoint/2010/main" val="2089860374"/>
+      </p:ext>
+    </p:extLst>
+  </p:cSld>
+  <p:clrMapOvr>
+    <a:masterClrMapping/>
+  </p:clrMapOvr>
+</p:sld>
+</file>
+
+<file path=ppt/slides/slide11.xml><?xml version="1.0" encoding="utf-8"?>
+<p:sld xmlns:a="http://schemas.openxmlformats.org/drawingml/2006/main" xmlns:r="http://schemas.openxmlformats.org/officeDocument/2006/relationships" xmlns:p="http://schemas.openxmlformats.org/presentationml/2006/main">
+  <p:cSld>
+    <p:spTree>
+      <p:nvGrpSpPr>
+        <p:cNvPr id="1" name=""/>
+        <p:cNvGrpSpPr/>
+        <p:nvPr/>
+      </p:nvGrpSpPr>
+      <p:grpSpPr>
+        <a:xfrm>
+          <a:off x="0" y="0"/>
+          <a:ext cx="0" cy="0"/>
+          <a:chOff x="0" y="0"/>
+          <a:chExt cx="0" cy="0"/>
+        </a:xfrm>
+      </p:grpSpPr>
+      <p:sp>
+        <p:nvSpPr>
+          <p:cNvPr id="2" name="Title 1">
+            <a:extLst>
+              <a:ext uri="{FF2B5EF4-FFF2-40B4-BE49-F238E27FC236}">
+                <a16:creationId xmlns:a16="http://schemas.microsoft.com/office/drawing/2014/main" id="{DFBC6995-8EC3-F347-A740-2B7C32D3FB4F}"/>
+              </a:ext>
+            </a:extLst>
+          </p:cNvPr>
+          <p:cNvSpPr>
+            <a:spLocks noGrp="1"/>
+          </p:cNvSpPr>
+          <p:nvPr>
+            <p:ph type="title"/>
+          </p:nvPr>
+        </p:nvSpPr>
+        <p:spPr/>
+        <p:txBody>
+          <a:bodyPr/>
+          <a:lstStyle/>
+          <a:p>
+            <a:r>
+              <a:rPr lang="en-US" b="1" dirty="0"/>
+              <a:t>Resilient Distributed Datasets (RDDs)</a:t>
+            </a:r>
+            <a:endParaRPr lang="en-US" dirty="0"/>
+          </a:p>
+        </p:txBody>
+      </p:sp>
+      <p:sp>
+        <p:nvSpPr>
+          <p:cNvPr id="3" name="Content Placeholder 2">
+            <a:extLst>
+              <a:ext uri="{FF2B5EF4-FFF2-40B4-BE49-F238E27FC236}">
+                <a16:creationId xmlns:a16="http://schemas.microsoft.com/office/drawing/2014/main" id="{9CB3E332-5CD0-9449-BC47-6AB6BC59C153}"/>
+              </a:ext>
+            </a:extLst>
+          </p:cNvPr>
+          <p:cNvSpPr>
+            <a:spLocks noGrp="1"/>
+          </p:cNvSpPr>
+          <p:nvPr>
+            <p:ph idx="1"/>
+          </p:nvPr>
+        </p:nvSpPr>
+        <p:spPr/>
+        <p:txBody>
+          <a:bodyPr/>
+          <a:lstStyle/>
+          <a:p>
+            <a:r>
+              <a:rPr lang="en-US" dirty="0"/>
+              <a:t>To get the results of a transformation back to the driver, you must issue an </a:t>
+            </a:r>
+            <a:r>
+              <a:rPr lang="en-US" b="1" i="1" dirty="0"/>
+              <a:t>action</a:t>
+            </a:r>
+          </a:p>
+          <a:p>
+            <a:endParaRPr lang="en-US" b="1" i="1" dirty="0"/>
+          </a:p>
+          <a:p>
+            <a:pPr marL="0" indent="0">
+              <a:buNone/>
+            </a:pPr>
+            <a:r>
+              <a:rPr lang="it" dirty="0"/>
+              <a:t>        </a:t>
+            </a:r>
+            <a:r>
+              <a:rPr lang="en-US" dirty="0"/>
+              <a:t>&gt;&gt;&gt;</a:t>
+            </a:r>
+            <a:r>
+              <a:rPr lang="it" dirty="0"/>
+              <a:t>  data = [1, 2, 3, 4, 5]</a:t>
+            </a:r>
+          </a:p>
+          <a:p>
+            <a:pPr marL="0" indent="0">
+              <a:buNone/>
+            </a:pPr>
+            <a:r>
+              <a:rPr lang="it" dirty="0"/>
+              <a:t>        </a:t>
+            </a:r>
+            <a:r>
+              <a:rPr lang="en-US" dirty="0"/>
+              <a:t>&gt;&gt;&gt;</a:t>
+            </a:r>
+            <a:r>
+              <a:rPr lang="it" dirty="0"/>
+              <a:t>  rdd1 = sc.parallelize(data)</a:t>
+            </a:r>
+          </a:p>
+          <a:p>
+            <a:pPr marL="0" indent="0">
+              <a:buNone/>
+            </a:pPr>
+            <a:r>
+              <a:rPr lang="it" dirty="0"/>
+              <a:t>        </a:t>
+            </a:r>
+            <a:r>
+              <a:rPr lang="en-US" dirty="0"/>
+              <a:t>&gt;&gt;&gt;</a:t>
+            </a:r>
+            <a:r>
+              <a:rPr lang="it" dirty="0"/>
+              <a:t>  rdd2 = rdd1.</a:t>
+            </a:r>
+            <a:r>
+              <a:rPr lang="it" b="1" i="1" dirty="0"/>
+              <a:t>map</a:t>
+            </a:r>
+            <a:r>
+              <a:rPr lang="it" dirty="0"/>
+              <a:t>(lambda x : x + 1)</a:t>
+            </a:r>
+          </a:p>
+          <a:p>
+            <a:pPr marL="0" indent="0">
+              <a:buNone/>
+            </a:pPr>
+            <a:r>
+              <a:rPr lang="it" dirty="0"/>
+              <a:t>        &gt;&gt;&gt;  rdd2.collect()</a:t>
+            </a:r>
+            <a:endParaRPr lang="en-US" dirty="0"/>
+          </a:p>
+          <a:p>
+            <a:endParaRPr lang="en-US" b="1" i="1" dirty="0"/>
+          </a:p>
+          <a:p>
+            <a:endParaRPr lang="en-US" b="1" i="1" dirty="0"/>
+          </a:p>
+          <a:p>
+            <a:endParaRPr lang="en-US" b="1" i="1" dirty="0"/>
+          </a:p>
+        </p:txBody>
+      </p:sp>
+    </p:spTree>
+    <p:extLst>
+      <p:ext uri="{BB962C8B-B14F-4D97-AF65-F5344CB8AC3E}">
+        <p14:creationId xmlns:p14="http://schemas.microsoft.com/office/powerpoint/2010/main" val="2499401436"/>
+      </p:ext>
+    </p:extLst>
+  </p:cSld>
+  <p:clrMapOvr>
+    <a:masterClrMapping/>
+  </p:clrMapOvr>
+</p:sld>
+</file>
+
+<file path=ppt/slides/slide12.xml><?xml version="1.0" encoding="utf-8"?>
+<p:sld xmlns:a="http://schemas.openxmlformats.org/drawingml/2006/main" xmlns:r="http://schemas.openxmlformats.org/officeDocument/2006/relationships" xmlns:p="http://schemas.openxmlformats.org/presentationml/2006/main">
+  <p:cSld>
+    <p:spTree>
+      <p:nvGrpSpPr>
+        <p:cNvPr id="1" name=""/>
+        <p:cNvGrpSpPr/>
+        <p:nvPr/>
+      </p:nvGrpSpPr>
+      <p:grpSpPr>
+        <a:xfrm>
+          <a:off x="0" y="0"/>
+          <a:ext cx="0" cy="0"/>
+          <a:chOff x="0" y="0"/>
+          <a:chExt cx="0" cy="0"/>
+        </a:xfrm>
+      </p:grpSpPr>
+      <p:sp>
+        <p:nvSpPr>
+          <p:cNvPr id="2" name="Title 1">
+            <a:extLst>
+              <a:ext uri="{FF2B5EF4-FFF2-40B4-BE49-F238E27FC236}">
                 <a16:creationId xmlns:a16="http://schemas.microsoft.com/office/drawing/2014/main" id="{AA3DBFB3-E334-5B4D-A6E2-6298B27D4EC0}"/>
               </a:ext>
             </a:extLst>
@@ -3585,7 +4166,606 @@
 </p:sld>
 </file>
 
-<file path=ppt/slides/slide11.xml><?xml version="1.0" encoding="utf-8"?>
+<file path=ppt/slides/slide13.xml><?xml version="1.0" encoding="utf-8"?>
+<p:sld xmlns:a="http://schemas.openxmlformats.org/drawingml/2006/main" xmlns:r="http://schemas.openxmlformats.org/officeDocument/2006/relationships" xmlns:p="http://schemas.openxmlformats.org/presentationml/2006/main">
+  <p:cSld>
+    <p:spTree>
+      <p:nvGrpSpPr>
+        <p:cNvPr id="1" name=""/>
+        <p:cNvGrpSpPr/>
+        <p:nvPr/>
+      </p:nvGrpSpPr>
+      <p:grpSpPr>
+        <a:xfrm>
+          <a:off x="0" y="0"/>
+          <a:ext cx="0" cy="0"/>
+          <a:chOff x="0" y="0"/>
+          <a:chExt cx="0" cy="0"/>
+        </a:xfrm>
+      </p:grpSpPr>
+      <p:sp>
+        <p:nvSpPr>
+          <p:cNvPr id="2" name="Title 1">
+            <a:extLst>
+              <a:ext uri="{FF2B5EF4-FFF2-40B4-BE49-F238E27FC236}">
+                <a16:creationId xmlns:a16="http://schemas.microsoft.com/office/drawing/2014/main" id="{889FFD04-8CC5-0C49-B2A4-5E4980F5ADFC}"/>
+              </a:ext>
+            </a:extLst>
+          </p:cNvPr>
+          <p:cNvSpPr>
+            <a:spLocks noGrp="1"/>
+          </p:cNvSpPr>
+          <p:nvPr>
+            <p:ph type="title"/>
+          </p:nvPr>
+        </p:nvSpPr>
+        <p:spPr/>
+        <p:txBody>
+          <a:bodyPr/>
+          <a:lstStyle/>
+          <a:p>
+            <a:r>
+              <a:rPr lang="en-US" dirty="0"/>
+              <a:t>Basic Actions - Eager</a:t>
+            </a:r>
+          </a:p>
+        </p:txBody>
+      </p:sp>
+      <p:sp>
+        <p:nvSpPr>
+          <p:cNvPr id="3" name="Content Placeholder 2">
+            <a:extLst>
+              <a:ext uri="{FF2B5EF4-FFF2-40B4-BE49-F238E27FC236}">
+                <a16:creationId xmlns:a16="http://schemas.microsoft.com/office/drawing/2014/main" id="{803C38CB-F6B6-854C-A117-1411D93DBD8B}"/>
+              </a:ext>
+            </a:extLst>
+          </p:cNvPr>
+          <p:cNvSpPr>
+            <a:spLocks noGrp="1"/>
+          </p:cNvSpPr>
+          <p:nvPr>
+            <p:ph idx="1"/>
+          </p:nvPr>
+        </p:nvSpPr>
+        <p:spPr/>
+        <p:txBody>
+          <a:bodyPr>
+            <a:normAutofit fontScale="70000" lnSpcReduction="20000"/>
+          </a:bodyPr>
+          <a:lstStyle/>
+          <a:p>
+            <a:pPr marL="0" indent="0">
+              <a:spcBef>
+                <a:spcPts val="3000"/>
+              </a:spcBef>
+              <a:buNone/>
+            </a:pPr>
+            <a:r>
+              <a:rPr lang="en-US" dirty="0" err="1">
+                <a:latin typeface="Consolas"/>
+                <a:cs typeface="Consolas"/>
+              </a:rPr>
+              <a:t>nums</a:t>
+            </a:r>
+            <a:r>
+              <a:rPr lang="en-US" dirty="0">
+                <a:latin typeface="Consolas"/>
+                <a:cs typeface="Consolas"/>
+              </a:rPr>
+              <a:t> = </a:t>
+            </a:r>
+            <a:r>
+              <a:rPr lang="en-US" dirty="0" err="1">
+                <a:latin typeface="Consolas"/>
+                <a:cs typeface="Consolas"/>
+              </a:rPr>
+              <a:t>sc.parallelize</a:t>
+            </a:r>
+            <a:r>
+              <a:rPr lang="en-US" dirty="0">
+                <a:latin typeface="Consolas"/>
+                <a:cs typeface="Consolas"/>
+              </a:rPr>
+              <a:t>([1, 2, 3])</a:t>
+            </a:r>
+          </a:p>
+          <a:p>
+            <a:pPr marL="0" indent="0">
+              <a:spcBef>
+                <a:spcPts val="3000"/>
+              </a:spcBef>
+              <a:buNone/>
+            </a:pPr>
+            <a:r>
+              <a:rPr lang="en-US" dirty="0">
+                <a:solidFill>
+                  <a:srgbClr val="008040"/>
+                </a:solidFill>
+                <a:latin typeface="Consolas"/>
+                <a:cs typeface="Consolas"/>
+              </a:rPr>
+              <a:t># Retrieve RDD contents as a local collection</a:t>
+            </a:r>
+            <a:br>
+              <a:rPr lang="en-US" dirty="0">
+                <a:solidFill>
+                  <a:srgbClr val="008040"/>
+                </a:solidFill>
+                <a:latin typeface="Consolas"/>
+                <a:cs typeface="Consolas"/>
+              </a:rPr>
+            </a:br>
+            <a:r>
+              <a:rPr lang="en-US" dirty="0" err="1">
+                <a:latin typeface="Consolas"/>
+                <a:cs typeface="Consolas"/>
+              </a:rPr>
+              <a:t>nums.</a:t>
+            </a:r>
+            <a:r>
+              <a:rPr lang="en-US" dirty="0" err="1">
+                <a:solidFill>
+                  <a:srgbClr val="3366FF"/>
+                </a:solidFill>
+                <a:latin typeface="Consolas"/>
+                <a:cs typeface="Consolas"/>
+              </a:rPr>
+              <a:t>collect</a:t>
+            </a:r>
+            <a:r>
+              <a:rPr lang="en-US" dirty="0">
+                <a:latin typeface="Consolas"/>
+                <a:cs typeface="Consolas"/>
+              </a:rPr>
+              <a:t>() </a:t>
+            </a:r>
+            <a:r>
+              <a:rPr lang="en-US" dirty="0">
+                <a:solidFill>
+                  <a:srgbClr val="008040"/>
+                </a:solidFill>
+                <a:latin typeface="Consolas"/>
+                <a:cs typeface="Consolas"/>
+              </a:rPr>
+              <a:t># =&gt; [1, 2, 3]</a:t>
+            </a:r>
+          </a:p>
+          <a:p>
+            <a:pPr marL="0" indent="0">
+              <a:spcBef>
+                <a:spcPts val="3000"/>
+              </a:spcBef>
+              <a:buNone/>
+            </a:pPr>
+            <a:r>
+              <a:rPr lang="en-US" dirty="0">
+                <a:solidFill>
+                  <a:srgbClr val="008040"/>
+                </a:solidFill>
+                <a:latin typeface="Consolas"/>
+                <a:cs typeface="Consolas"/>
+              </a:rPr>
+              <a:t># Return first K elements</a:t>
+            </a:r>
+            <a:br>
+              <a:rPr lang="en-US" dirty="0">
+                <a:solidFill>
+                  <a:srgbClr val="008040"/>
+                </a:solidFill>
+                <a:latin typeface="Consolas"/>
+                <a:cs typeface="Consolas"/>
+              </a:rPr>
+            </a:br>
+            <a:r>
+              <a:rPr lang="en-US" dirty="0" err="1">
+                <a:latin typeface="Consolas"/>
+                <a:cs typeface="Consolas"/>
+              </a:rPr>
+              <a:t>nums.</a:t>
+            </a:r>
+            <a:r>
+              <a:rPr lang="en-US" dirty="0" err="1">
+                <a:solidFill>
+                  <a:srgbClr val="3366FF"/>
+                </a:solidFill>
+                <a:latin typeface="Consolas"/>
+                <a:cs typeface="Consolas"/>
+              </a:rPr>
+              <a:t>take</a:t>
+            </a:r>
+            <a:r>
+              <a:rPr lang="en-US" dirty="0">
+                <a:latin typeface="Consolas"/>
+                <a:cs typeface="Consolas"/>
+              </a:rPr>
+              <a:t>(2)   </a:t>
+            </a:r>
+            <a:r>
+              <a:rPr lang="en-US" dirty="0">
+                <a:solidFill>
+                  <a:srgbClr val="008040"/>
+                </a:solidFill>
+                <a:latin typeface="Consolas"/>
+                <a:cs typeface="Consolas"/>
+              </a:rPr>
+              <a:t># =&gt; [1, 2]</a:t>
+            </a:r>
+          </a:p>
+          <a:p>
+            <a:pPr marL="0" indent="0">
+              <a:spcBef>
+                <a:spcPts val="3000"/>
+              </a:spcBef>
+              <a:buNone/>
+            </a:pPr>
+            <a:r>
+              <a:rPr lang="en-US" dirty="0">
+                <a:solidFill>
+                  <a:srgbClr val="008040"/>
+                </a:solidFill>
+                <a:latin typeface="Consolas"/>
+                <a:cs typeface="Consolas"/>
+              </a:rPr>
+              <a:t># Count number of elements</a:t>
+            </a:r>
+            <a:br>
+              <a:rPr lang="en-US" dirty="0">
+                <a:solidFill>
+                  <a:srgbClr val="008040"/>
+                </a:solidFill>
+                <a:latin typeface="Consolas"/>
+                <a:cs typeface="Consolas"/>
+              </a:rPr>
+            </a:br>
+            <a:r>
+              <a:rPr lang="en-US" dirty="0" err="1">
+                <a:latin typeface="Consolas"/>
+                <a:cs typeface="Consolas"/>
+              </a:rPr>
+              <a:t>nums.</a:t>
+            </a:r>
+            <a:r>
+              <a:rPr lang="en-US" dirty="0" err="1">
+                <a:solidFill>
+                  <a:srgbClr val="3366FF"/>
+                </a:solidFill>
+                <a:latin typeface="Consolas"/>
+                <a:cs typeface="Consolas"/>
+              </a:rPr>
+              <a:t>count</a:t>
+            </a:r>
+            <a:r>
+              <a:rPr lang="en-US" dirty="0">
+                <a:latin typeface="Consolas"/>
+                <a:cs typeface="Consolas"/>
+              </a:rPr>
+              <a:t>()   </a:t>
+            </a:r>
+            <a:r>
+              <a:rPr lang="en-US" dirty="0">
+                <a:solidFill>
+                  <a:srgbClr val="008040"/>
+                </a:solidFill>
+                <a:latin typeface="Consolas"/>
+                <a:cs typeface="Consolas"/>
+              </a:rPr>
+              <a:t># =&gt; 3</a:t>
+            </a:r>
+            <a:endParaRPr lang="en-US" sz="1200" dirty="0">
+              <a:solidFill>
+                <a:srgbClr val="008040"/>
+              </a:solidFill>
+              <a:latin typeface="Consolas"/>
+              <a:cs typeface="Consolas"/>
+            </a:endParaRPr>
+          </a:p>
+          <a:p>
+            <a:pPr marL="0" indent="0">
+              <a:spcBef>
+                <a:spcPts val="3000"/>
+              </a:spcBef>
+              <a:buNone/>
+            </a:pPr>
+            <a:r>
+              <a:rPr lang="en-US" dirty="0">
+                <a:solidFill>
+                  <a:srgbClr val="008040"/>
+                </a:solidFill>
+                <a:latin typeface="Consolas"/>
+                <a:cs typeface="Consolas"/>
+              </a:rPr>
+              <a:t># Merge elements with an associative function</a:t>
+            </a:r>
+            <a:br>
+              <a:rPr lang="en-US" dirty="0">
+                <a:solidFill>
+                  <a:srgbClr val="008040"/>
+                </a:solidFill>
+                <a:latin typeface="Consolas"/>
+                <a:cs typeface="Consolas"/>
+              </a:rPr>
+            </a:br>
+            <a:r>
+              <a:rPr lang="en-US" dirty="0" err="1">
+                <a:latin typeface="Consolas"/>
+                <a:cs typeface="Consolas"/>
+              </a:rPr>
+              <a:t>nums.</a:t>
+            </a:r>
+            <a:r>
+              <a:rPr lang="en-US" dirty="0" err="1">
+                <a:solidFill>
+                  <a:srgbClr val="3366FF"/>
+                </a:solidFill>
+                <a:latin typeface="Consolas"/>
+                <a:cs typeface="Consolas"/>
+              </a:rPr>
+              <a:t>reduce</a:t>
+            </a:r>
+            <a:r>
+              <a:rPr lang="en-US" dirty="0">
+                <a:latin typeface="Consolas"/>
+                <a:cs typeface="Consolas"/>
+              </a:rPr>
+              <a:t>(</a:t>
+            </a:r>
+            <a:r>
+              <a:rPr lang="en-US" dirty="0">
+                <a:solidFill>
+                  <a:srgbClr val="FF0080"/>
+                </a:solidFill>
+                <a:latin typeface="Consolas"/>
+                <a:cs typeface="Consolas"/>
+              </a:rPr>
+              <a:t>lambda x, y: x + y</a:t>
+            </a:r>
+            <a:r>
+              <a:rPr lang="en-US" dirty="0">
+                <a:latin typeface="Consolas"/>
+                <a:cs typeface="Consolas"/>
+              </a:rPr>
+              <a:t>)  </a:t>
+            </a:r>
+            <a:r>
+              <a:rPr lang="en-US" dirty="0">
+                <a:solidFill>
+                  <a:srgbClr val="008040"/>
+                </a:solidFill>
+                <a:latin typeface="Consolas"/>
+                <a:cs typeface="Consolas"/>
+              </a:rPr>
+              <a:t># =&gt; 6</a:t>
+            </a:r>
+            <a:endParaRPr lang="en-US" sz="1200" dirty="0">
+              <a:solidFill>
+                <a:srgbClr val="008040"/>
+              </a:solidFill>
+              <a:latin typeface="Consolas"/>
+              <a:cs typeface="Consolas"/>
+            </a:endParaRPr>
+          </a:p>
+          <a:p>
+            <a:pPr marL="0" indent="0">
+              <a:spcBef>
+                <a:spcPts val="3000"/>
+              </a:spcBef>
+              <a:buNone/>
+            </a:pPr>
+            <a:r>
+              <a:rPr lang="en-US" dirty="0">
+                <a:solidFill>
+                  <a:srgbClr val="008040"/>
+                </a:solidFill>
+                <a:latin typeface="Consolas"/>
+                <a:cs typeface="Consolas"/>
+              </a:rPr>
+              <a:t># Write elements to a text file</a:t>
+            </a:r>
+            <a:br>
+              <a:rPr lang="en-US" dirty="0">
+                <a:solidFill>
+                  <a:srgbClr val="008040"/>
+                </a:solidFill>
+                <a:latin typeface="Consolas"/>
+                <a:cs typeface="Consolas"/>
+              </a:rPr>
+            </a:br>
+            <a:r>
+              <a:rPr lang="en-US" dirty="0" err="1">
+                <a:latin typeface="Consolas"/>
+                <a:cs typeface="Consolas"/>
+              </a:rPr>
+              <a:t>nums.</a:t>
+            </a:r>
+            <a:r>
+              <a:rPr lang="en-US" dirty="0" err="1">
+                <a:solidFill>
+                  <a:srgbClr val="3366FF"/>
+                </a:solidFill>
+                <a:latin typeface="Consolas"/>
+                <a:cs typeface="Consolas"/>
+              </a:rPr>
+              <a:t>saveAsTextFile</a:t>
+            </a:r>
+            <a:r>
+              <a:rPr lang="en-US" dirty="0">
+                <a:latin typeface="Consolas"/>
+                <a:cs typeface="Consolas"/>
+              </a:rPr>
+              <a:t>(</a:t>
+            </a:r>
+            <a:r>
+              <a:rPr lang="en-US" dirty="0">
+                <a:solidFill>
+                  <a:srgbClr val="000090"/>
+                </a:solidFill>
+                <a:latin typeface="Consolas"/>
+                <a:cs typeface="Consolas"/>
+              </a:rPr>
+              <a:t>“</a:t>
+            </a:r>
+            <a:r>
+              <a:rPr lang="en-US" dirty="0" err="1">
+                <a:solidFill>
+                  <a:srgbClr val="000090"/>
+                </a:solidFill>
+                <a:latin typeface="Consolas"/>
+                <a:cs typeface="Consolas"/>
+              </a:rPr>
+              <a:t>hdfs</a:t>
+            </a:r>
+            <a:r>
+              <a:rPr lang="en-US" dirty="0">
+                <a:solidFill>
+                  <a:srgbClr val="000090"/>
+                </a:solidFill>
+                <a:latin typeface="Consolas"/>
+                <a:cs typeface="Consolas"/>
+              </a:rPr>
+              <a:t>://</a:t>
+            </a:r>
+            <a:r>
+              <a:rPr lang="en-US" dirty="0" err="1">
+                <a:solidFill>
+                  <a:srgbClr val="000090"/>
+                </a:solidFill>
+                <a:latin typeface="Consolas"/>
+                <a:cs typeface="Consolas"/>
+              </a:rPr>
+              <a:t>file.txt</a:t>
+            </a:r>
+            <a:r>
+              <a:rPr lang="en-US" dirty="0">
+                <a:solidFill>
+                  <a:srgbClr val="000090"/>
+                </a:solidFill>
+                <a:latin typeface="Consolas"/>
+                <a:cs typeface="Consolas"/>
+              </a:rPr>
+              <a:t>”</a:t>
+            </a:r>
+            <a:r>
+              <a:rPr lang="en-US" dirty="0">
+                <a:latin typeface="Consolas"/>
+                <a:cs typeface="Consolas"/>
+              </a:rPr>
+              <a:t>)</a:t>
+            </a:r>
+            <a:endParaRPr lang="en-US" dirty="0">
+              <a:solidFill>
+                <a:srgbClr val="008040"/>
+              </a:solidFill>
+              <a:latin typeface="Consolas"/>
+              <a:cs typeface="Consolas"/>
+            </a:endParaRPr>
+          </a:p>
+          <a:p>
+            <a:endParaRPr lang="en-US" dirty="0"/>
+          </a:p>
+        </p:txBody>
+      </p:sp>
+    </p:spTree>
+    <p:extLst>
+      <p:ext uri="{BB962C8B-B14F-4D97-AF65-F5344CB8AC3E}">
+        <p14:creationId xmlns:p14="http://schemas.microsoft.com/office/powerpoint/2010/main" val="3697660836"/>
+      </p:ext>
+    </p:extLst>
+  </p:cSld>
+  <p:clrMapOvr>
+    <a:masterClrMapping/>
+  </p:clrMapOvr>
+</p:sld>
+</file>
+
+<file path=ppt/slides/slide14.xml><?xml version="1.0" encoding="utf-8"?>
+<p:sld xmlns:a="http://schemas.openxmlformats.org/drawingml/2006/main" xmlns:r="http://schemas.openxmlformats.org/officeDocument/2006/relationships" xmlns:p="http://schemas.openxmlformats.org/presentationml/2006/main">
+  <p:cSld>
+    <p:spTree>
+      <p:nvGrpSpPr>
+        <p:cNvPr id="1" name=""/>
+        <p:cNvGrpSpPr/>
+        <p:nvPr/>
+      </p:nvGrpSpPr>
+      <p:grpSpPr>
+        <a:xfrm>
+          <a:off x="0" y="0"/>
+          <a:ext cx="0" cy="0"/>
+          <a:chOff x="0" y="0"/>
+          <a:chExt cx="0" cy="0"/>
+        </a:xfrm>
+      </p:grpSpPr>
+      <p:sp>
+        <p:nvSpPr>
+          <p:cNvPr id="2" name="Title 1">
+            <a:extLst>
+              <a:ext uri="{FF2B5EF4-FFF2-40B4-BE49-F238E27FC236}">
+                <a16:creationId xmlns:a16="http://schemas.microsoft.com/office/drawing/2014/main" id="{3FF79537-8BC0-0B4F-AAA7-BD0D29EAE9F3}"/>
+              </a:ext>
+            </a:extLst>
+          </p:cNvPr>
+          <p:cNvSpPr>
+            <a:spLocks noGrp="1"/>
+          </p:cNvSpPr>
+          <p:nvPr>
+            <p:ph type="title"/>
+          </p:nvPr>
+        </p:nvSpPr>
+        <p:spPr/>
+        <p:txBody>
+          <a:bodyPr/>
+          <a:lstStyle/>
+          <a:p>
+            <a:r>
+              <a:rPr lang="en-US" b="1" dirty="0"/>
+              <a:t>Resilient Distributed Datasets (RDDs)</a:t>
+            </a:r>
+            <a:endParaRPr lang="en-US" dirty="0"/>
+          </a:p>
+        </p:txBody>
+      </p:sp>
+      <p:pic>
+        <p:nvPicPr>
+          <p:cNvPr id="5" name="Content Placeholder 4" descr="A screenshot of a cell phone&#13;&#10;&#13;&#10;Description automatically generated">
+            <a:extLst>
+              <a:ext uri="{FF2B5EF4-FFF2-40B4-BE49-F238E27FC236}">
+                <a16:creationId xmlns:a16="http://schemas.microsoft.com/office/drawing/2014/main" id="{CCFFCA30-ACFA-3B47-8BE4-180A79426891}"/>
+              </a:ext>
+            </a:extLst>
+          </p:cNvPr>
+          <p:cNvPicPr>
+            <a:picLocks noGrp="1" noChangeAspect="1"/>
+          </p:cNvPicPr>
+          <p:nvPr>
+            <p:ph idx="1"/>
+          </p:nvPr>
+        </p:nvPicPr>
+        <p:blipFill>
+          <a:blip r:embed="rId2"/>
+          <a:stretch>
+            <a:fillRect/>
+          </a:stretch>
+        </p:blipFill>
+        <p:spPr>
+          <a:xfrm>
+            <a:off x="1443392" y="1304823"/>
+            <a:ext cx="7611882" cy="5417710"/>
+          </a:xfrm>
+        </p:spPr>
+      </p:pic>
+    </p:spTree>
+    <p:extLst>
+      <p:ext uri="{BB962C8B-B14F-4D97-AF65-F5344CB8AC3E}">
+        <p14:creationId xmlns:p14="http://schemas.microsoft.com/office/powerpoint/2010/main" val="4094978329"/>
+      </p:ext>
+    </p:extLst>
+  </p:cSld>
+  <p:clrMapOvr>
+    <a:masterClrMapping/>
+  </p:clrMapOvr>
+</p:sld>
+</file>
+
+<file path=ppt/slides/slide15.xml><?xml version="1.0" encoding="utf-8"?>
 <p:sld xmlns:a="http://schemas.openxmlformats.org/drawingml/2006/main" xmlns:r="http://schemas.openxmlformats.org/officeDocument/2006/relationships" xmlns:p="http://schemas.openxmlformats.org/presentationml/2006/main">
   <p:cSld>
     <p:spTree>
@@ -3773,21 +4953,12 @@
           <a:bodyPr/>
           <a:lstStyle/>
           <a:p>
-            <a:pPr marL="0" indent="0">
-              <a:buNone/>
-            </a:pPr>
             <a:r>
               <a:rPr lang="en-US" dirty="0"/>
               <a:t>Primary abstraction that allow Spark to distribute data</a:t>
             </a:r>
           </a:p>
           <a:p>
-            <a:pPr marL="0" indent="0">
-              <a:buNone/>
-            </a:pPr>
-            <a:endParaRPr lang="en-US" dirty="0"/>
-          </a:p>
-          <a:p>
             <a:r>
               <a:rPr lang="en-US" dirty="0"/>
               <a:t>Fault tolerant – if they are destroyed they can be recreated by the driver and sent to a new worker</a:t>
@@ -3803,6 +4974,12 @@
             <a:r>
               <a:rPr lang="en-US" dirty="0"/>
               <a:t>Unstructured and semi-structured data</a:t>
+            </a:r>
+          </a:p>
+          <a:p>
+            <a:r>
+              <a:rPr lang="en-US" dirty="0"/>
+              <a:t>Remain in memory</a:t>
             </a:r>
           </a:p>
           <a:p>
@@ -3853,7 +5030,7 @@
           <p:cNvPr id="2" name="Title 1">
             <a:extLst>
               <a:ext uri="{FF2B5EF4-FFF2-40B4-BE49-F238E27FC236}">
-                <a16:creationId xmlns:a16="http://schemas.microsoft.com/office/drawing/2014/main" id="{85B06A1E-C810-7B4B-8988-DDE50B84ADB0}"/>
+                <a16:creationId xmlns:a16="http://schemas.microsoft.com/office/drawing/2014/main" id="{7699129E-4D0D-C54D-AE21-A292CFCBE704}"/>
               </a:ext>
             </a:extLst>
           </p:cNvPr>
@@ -3864,92 +5041,162 @@
             <p:ph type="title"/>
           </p:nvPr>
         </p:nvSpPr>
+        <p:spPr/>
+        <p:txBody>
+          <a:bodyPr/>
+          <a:lstStyle/>
+          <a:p>
+            <a:r>
+              <a:rPr lang="en-US" dirty="0"/>
+              <a:t>RDD operations</a:t>
+            </a:r>
+          </a:p>
+        </p:txBody>
+      </p:sp>
+      <p:sp>
+        <p:nvSpPr>
+          <p:cNvPr id="3" name="Content Placeholder 2">
+            <a:extLst>
+              <a:ext uri="{FF2B5EF4-FFF2-40B4-BE49-F238E27FC236}">
+                <a16:creationId xmlns:a16="http://schemas.microsoft.com/office/drawing/2014/main" id="{8F8E4E44-D14A-1040-9446-D5E7D32B76A8}"/>
+              </a:ext>
+            </a:extLst>
+          </p:cNvPr>
+          <p:cNvSpPr>
+            <a:spLocks noGrp="1"/>
+          </p:cNvSpPr>
+          <p:nvPr>
+            <p:ph idx="1"/>
+          </p:nvPr>
+        </p:nvSpPr>
+        <p:spPr/>
+        <p:txBody>
+          <a:bodyPr/>
+          <a:lstStyle/>
+          <a:p>
+            <a:r>
+              <a:rPr lang="en-US" dirty="0"/>
+              <a:t>Transformations – map, </a:t>
+            </a:r>
+            <a:r>
+              <a:rPr lang="en-US" dirty="0" err="1"/>
+              <a:t>flatmap</a:t>
+            </a:r>
+            <a:r>
+              <a:rPr lang="en-US" dirty="0"/>
+              <a:t>, join </a:t>
+            </a:r>
+          </a:p>
+          <a:p>
+            <a:pPr lvl="1"/>
+            <a:r>
+              <a:rPr lang="en-US" dirty="0"/>
+              <a:t>Lazy operations </a:t>
+            </a:r>
+          </a:p>
+          <a:p>
+            <a:pPr lvl="1"/>
+            <a:r>
+              <a:rPr lang="en-US" dirty="0"/>
+              <a:t>Take place on the worker nodes</a:t>
+            </a:r>
+          </a:p>
+          <a:p>
+            <a:r>
+              <a:rPr lang="en-US" dirty="0"/>
+              <a:t>Actions – count, distinct, reduce</a:t>
+            </a:r>
+          </a:p>
+          <a:p>
+            <a:pPr lvl="1"/>
+            <a:r>
+              <a:rPr lang="en-US" dirty="0"/>
+              <a:t>Eager operations</a:t>
+            </a:r>
+          </a:p>
+          <a:p>
+            <a:pPr lvl="1"/>
+            <a:r>
+              <a:rPr lang="en-US" dirty="0"/>
+              <a:t>Results returned to the driver and </a:t>
+            </a:r>
+          </a:p>
+          <a:p>
+            <a:pPr marL="457200" lvl="1" indent="0">
+              <a:buNone/>
+            </a:pPr>
+            <a:r>
+              <a:rPr lang="en-US" dirty="0"/>
+              <a:t>   summarized or written to </a:t>
+            </a:r>
+          </a:p>
+          <a:p>
+            <a:pPr marL="457200" lvl="1" indent="0">
+              <a:buNone/>
+            </a:pPr>
+            <a:r>
+              <a:rPr lang="en-US" dirty="0"/>
+              <a:t>   storage</a:t>
+            </a:r>
+          </a:p>
+          <a:p>
+            <a:pPr marL="457200" lvl="1" indent="0">
+              <a:buNone/>
+            </a:pPr>
+            <a:endParaRPr lang="en-US" dirty="0"/>
+          </a:p>
+          <a:p>
+            <a:pPr marL="457200" lvl="1" indent="0">
+              <a:buNone/>
+            </a:pPr>
+            <a:r>
+              <a:rPr lang="en-US" dirty="0"/>
+              <a:t>                                                                                                </a:t>
+            </a:r>
+            <a:r>
+              <a:rPr lang="en-US" dirty="0">
+                <a:hlinkClick r:id="rId2"/>
+              </a:rPr>
+              <a:t>[Source]</a:t>
+            </a:r>
+            <a:endParaRPr lang="en-US" dirty="0"/>
+          </a:p>
+        </p:txBody>
+      </p:sp>
+      <p:pic>
+        <p:nvPicPr>
+          <p:cNvPr id="5" name="Picture 4" descr="A close up of a calculator&#13;&#10;&#13;&#10;Description automatically generated">
+            <a:extLst>
+              <a:ext uri="{FF2B5EF4-FFF2-40B4-BE49-F238E27FC236}">
+                <a16:creationId xmlns:a16="http://schemas.microsoft.com/office/drawing/2014/main" id="{2D898E92-1423-0944-96E7-C923ED1B02DC}"/>
+              </a:ext>
+            </a:extLst>
+          </p:cNvPr>
+          <p:cNvPicPr>
+            <a:picLocks noChangeAspect="1"/>
+          </p:cNvPicPr>
+          <p:nvPr/>
+        </p:nvPicPr>
+        <p:blipFill>
+          <a:blip r:embed="rId3"/>
+          <a:stretch>
+            <a:fillRect/>
+          </a:stretch>
+        </p:blipFill>
         <p:spPr>
           <a:xfrm>
-            <a:off x="838200" y="365125"/>
-            <a:ext cx="10515600" cy="1325563"/>
+            <a:off x="6691778" y="2167127"/>
+            <a:ext cx="4465250" cy="3063875"/>
           </a:xfrm>
+          <a:prstGeom prst="rect">
+            <a:avLst/>
+          </a:prstGeom>
         </p:spPr>
-        <p:txBody>
-          <a:bodyPr/>
-          <a:lstStyle/>
-          <a:p>
-            <a:r>
-              <a:rPr lang="en-US" b="1" dirty="0"/>
-              <a:t>Resilient Distributed Datasets (RDDs)</a:t>
-            </a:r>
-            <a:endParaRPr lang="en-US" dirty="0"/>
-          </a:p>
-        </p:txBody>
-      </p:sp>
-      <p:sp>
-        <p:nvSpPr>
-          <p:cNvPr id="3" name="Content Placeholder 2">
-            <a:extLst>
-              <a:ext uri="{FF2B5EF4-FFF2-40B4-BE49-F238E27FC236}">
-                <a16:creationId xmlns:a16="http://schemas.microsoft.com/office/drawing/2014/main" id="{B0104826-5569-E644-BCAA-FC336A7CF5D3}"/>
-              </a:ext>
-            </a:extLst>
-          </p:cNvPr>
-          <p:cNvSpPr>
-            <a:spLocks noGrp="1"/>
-          </p:cNvSpPr>
-          <p:nvPr>
-            <p:ph idx="1"/>
-          </p:nvPr>
-        </p:nvSpPr>
-        <p:spPr/>
-        <p:txBody>
-          <a:bodyPr/>
-          <a:lstStyle/>
-          <a:p>
-            <a:pPr marL="0" indent="0">
-              <a:buNone/>
-            </a:pPr>
-            <a:r>
-              <a:rPr lang="en-US" dirty="0"/>
-              <a:t>You can create an RDD in one of three ways:</a:t>
-            </a:r>
-          </a:p>
-          <a:p>
-            <a:pPr marL="0" indent="0">
-              <a:buNone/>
-            </a:pPr>
-            <a:endParaRPr lang="en-US" dirty="0"/>
-          </a:p>
-          <a:p>
-            <a:r>
-              <a:rPr lang="en-US" i="1" dirty="0"/>
-              <a:t>Parallelizing</a:t>
-            </a:r>
-            <a:r>
-              <a:rPr lang="en-US" dirty="0"/>
-              <a:t> an existing collection in your driver program</a:t>
-            </a:r>
-          </a:p>
-          <a:p>
-            <a:r>
-              <a:rPr lang="en-US" dirty="0"/>
-              <a:t>Referencing a dataset in an external storage system, such as a shared filesystem, HDFS, HBase, or any data source offering a Hadoop </a:t>
-            </a:r>
-            <a:r>
-              <a:rPr lang="en-US" dirty="0" err="1"/>
-              <a:t>InputFormat</a:t>
-            </a:r>
-            <a:endParaRPr lang="en-US" dirty="0"/>
-          </a:p>
-          <a:p>
-            <a:r>
-              <a:rPr lang="en-US" dirty="0"/>
-              <a:t>By transformations on another RDD</a:t>
-            </a:r>
-          </a:p>
-        </p:txBody>
-      </p:sp>
+      </p:pic>
     </p:spTree>
     <p:extLst>
       <p:ext uri="{BB962C8B-B14F-4D97-AF65-F5344CB8AC3E}">
-        <p14:creationId xmlns:p14="http://schemas.microsoft.com/office/powerpoint/2010/main" val="1806057233"/>
+        <p14:creationId xmlns:p14="http://schemas.microsoft.com/office/powerpoint/2010/main" val="1286410051"/>
       </p:ext>
     </p:extLst>
   </p:cSld>
@@ -3981,6 +5228,287 @@
           <p:cNvPr id="2" name="Title 1">
             <a:extLst>
               <a:ext uri="{FF2B5EF4-FFF2-40B4-BE49-F238E27FC236}">
+                <a16:creationId xmlns:a16="http://schemas.microsoft.com/office/drawing/2014/main" id="{8C029561-5235-9242-95E6-67F8071213FC}"/>
+              </a:ext>
+            </a:extLst>
+          </p:cNvPr>
+          <p:cNvSpPr>
+            <a:spLocks noGrp="1"/>
+          </p:cNvSpPr>
+          <p:nvPr>
+            <p:ph type="title"/>
+          </p:nvPr>
+        </p:nvSpPr>
+        <p:spPr/>
+        <p:txBody>
+          <a:bodyPr>
+            <a:normAutofit fontScale="90000"/>
+          </a:bodyPr>
+          <a:lstStyle/>
+          <a:p>
+            <a:r>
+              <a:rPr lang="en-US" dirty="0"/>
+              <a:t>Your entry point into Spark is the Spark Context</a:t>
+            </a:r>
+            <a:br>
+              <a:rPr lang="en-US" dirty="0"/>
+            </a:br>
+            <a:endParaRPr lang="en-US" dirty="0"/>
+          </a:p>
+        </p:txBody>
+      </p:sp>
+      <p:pic>
+        <p:nvPicPr>
+          <p:cNvPr id="7" name="Content Placeholder 6" descr="A screenshot of a cell phone&#13;&#10;&#13;&#10;Description automatically generated">
+            <a:extLst>
+              <a:ext uri="{FF2B5EF4-FFF2-40B4-BE49-F238E27FC236}">
+                <a16:creationId xmlns:a16="http://schemas.microsoft.com/office/drawing/2014/main" id="{B688B737-39C5-B948-A122-FCFFE2C9FA81}"/>
+              </a:ext>
+            </a:extLst>
+          </p:cNvPr>
+          <p:cNvPicPr>
+            <a:picLocks noGrp="1" noChangeAspect="1"/>
+          </p:cNvPicPr>
+          <p:nvPr>
+            <p:ph idx="1"/>
+          </p:nvPr>
+        </p:nvPicPr>
+        <p:blipFill>
+          <a:blip r:embed="rId2"/>
+          <a:stretch>
+            <a:fillRect/>
+          </a:stretch>
+        </p:blipFill>
+        <p:spPr>
+          <a:xfrm>
+            <a:off x="3892550" y="3620294"/>
+            <a:ext cx="4406900" cy="762000"/>
+          </a:xfrm>
+        </p:spPr>
+      </p:pic>
+      <p:pic>
+        <p:nvPicPr>
+          <p:cNvPr id="5" name="Picture 4">
+            <a:extLst>
+              <a:ext uri="{FF2B5EF4-FFF2-40B4-BE49-F238E27FC236}">
+                <a16:creationId xmlns:a16="http://schemas.microsoft.com/office/drawing/2014/main" id="{814B0837-A6C2-FC43-819C-8816CAD639F4}"/>
+              </a:ext>
+            </a:extLst>
+          </p:cNvPr>
+          <p:cNvPicPr>
+            <a:picLocks noChangeAspect="1"/>
+          </p:cNvPicPr>
+          <p:nvPr/>
+        </p:nvPicPr>
+        <p:blipFill>
+          <a:blip r:embed="rId3"/>
+          <a:stretch>
+            <a:fillRect/>
+          </a:stretch>
+        </p:blipFill>
+        <p:spPr>
+          <a:xfrm>
+            <a:off x="2061452" y="3233928"/>
+            <a:ext cx="6206266" cy="2993611"/>
+          </a:xfrm>
+          <a:prstGeom prst="rect">
+            <a:avLst/>
+          </a:prstGeom>
+        </p:spPr>
+      </p:pic>
+      <p:pic>
+        <p:nvPicPr>
+          <p:cNvPr id="9" name="Picture 8" descr="A screenshot of a cell phone&#13;&#10;&#13;&#10;Description automatically generated">
+            <a:extLst>
+              <a:ext uri="{FF2B5EF4-FFF2-40B4-BE49-F238E27FC236}">
+                <a16:creationId xmlns:a16="http://schemas.microsoft.com/office/drawing/2014/main" id="{FD0A468A-7786-C347-A8FB-ED6646FE8C36}"/>
+              </a:ext>
+            </a:extLst>
+          </p:cNvPr>
+          <p:cNvPicPr>
+            <a:picLocks noChangeAspect="1"/>
+          </p:cNvPicPr>
+          <p:nvPr/>
+        </p:nvPicPr>
+        <p:blipFill>
+          <a:blip r:embed="rId2"/>
+          <a:stretch>
+            <a:fillRect/>
+          </a:stretch>
+        </p:blipFill>
+        <p:spPr>
+          <a:xfrm>
+            <a:off x="2061452" y="1781192"/>
+            <a:ext cx="6676910" cy="1154509"/>
+          </a:xfrm>
+          <a:prstGeom prst="rect">
+            <a:avLst/>
+          </a:prstGeom>
+        </p:spPr>
+      </p:pic>
+    </p:spTree>
+    <p:extLst>
+      <p:ext uri="{BB962C8B-B14F-4D97-AF65-F5344CB8AC3E}">
+        <p14:creationId xmlns:p14="http://schemas.microsoft.com/office/powerpoint/2010/main" val="3865619842"/>
+      </p:ext>
+    </p:extLst>
+  </p:cSld>
+  <p:clrMapOvr>
+    <a:masterClrMapping/>
+  </p:clrMapOvr>
+</p:sld>
+</file>
+
+<file path=ppt/slides/slide5.xml><?xml version="1.0" encoding="utf-8"?>
+<p:sld xmlns:a="http://schemas.openxmlformats.org/drawingml/2006/main" xmlns:r="http://schemas.openxmlformats.org/officeDocument/2006/relationships" xmlns:p="http://schemas.openxmlformats.org/presentationml/2006/main">
+  <p:cSld>
+    <p:spTree>
+      <p:nvGrpSpPr>
+        <p:cNvPr id="1" name=""/>
+        <p:cNvGrpSpPr/>
+        <p:nvPr/>
+      </p:nvGrpSpPr>
+      <p:grpSpPr>
+        <a:xfrm>
+          <a:off x="0" y="0"/>
+          <a:ext cx="0" cy="0"/>
+          <a:chOff x="0" y="0"/>
+          <a:chExt cx="0" cy="0"/>
+        </a:xfrm>
+      </p:grpSpPr>
+      <p:sp>
+        <p:nvSpPr>
+          <p:cNvPr id="2" name="Title 1">
+            <a:extLst>
+              <a:ext uri="{FF2B5EF4-FFF2-40B4-BE49-F238E27FC236}">
+                <a16:creationId xmlns:a16="http://schemas.microsoft.com/office/drawing/2014/main" id="{85B06A1E-C810-7B4B-8988-DDE50B84ADB0}"/>
+              </a:ext>
+            </a:extLst>
+          </p:cNvPr>
+          <p:cNvSpPr>
+            <a:spLocks noGrp="1"/>
+          </p:cNvSpPr>
+          <p:nvPr>
+            <p:ph type="title"/>
+          </p:nvPr>
+        </p:nvSpPr>
+        <p:spPr>
+          <a:xfrm>
+            <a:off x="838200" y="365125"/>
+            <a:ext cx="10515600" cy="1325563"/>
+          </a:xfrm>
+        </p:spPr>
+        <p:txBody>
+          <a:bodyPr/>
+          <a:lstStyle/>
+          <a:p>
+            <a:r>
+              <a:rPr lang="en-US" b="1" dirty="0"/>
+              <a:t>Creating RDDs</a:t>
+            </a:r>
+            <a:endParaRPr lang="en-US" dirty="0"/>
+          </a:p>
+        </p:txBody>
+      </p:sp>
+      <p:sp>
+        <p:nvSpPr>
+          <p:cNvPr id="3" name="Content Placeholder 2">
+            <a:extLst>
+              <a:ext uri="{FF2B5EF4-FFF2-40B4-BE49-F238E27FC236}">
+                <a16:creationId xmlns:a16="http://schemas.microsoft.com/office/drawing/2014/main" id="{B0104826-5569-E644-BCAA-FC336A7CF5D3}"/>
+              </a:ext>
+            </a:extLst>
+          </p:cNvPr>
+          <p:cNvSpPr>
+            <a:spLocks noGrp="1"/>
+          </p:cNvSpPr>
+          <p:nvPr>
+            <p:ph idx="1"/>
+          </p:nvPr>
+        </p:nvSpPr>
+        <p:spPr/>
+        <p:txBody>
+          <a:bodyPr/>
+          <a:lstStyle/>
+          <a:p>
+            <a:pPr marL="0" indent="0">
+              <a:buNone/>
+            </a:pPr>
+            <a:r>
+              <a:rPr lang="en-US" dirty="0"/>
+              <a:t>You can create an RDD in one of three ways:</a:t>
+            </a:r>
+          </a:p>
+          <a:p>
+            <a:pPr marL="0" indent="0">
+              <a:buNone/>
+            </a:pPr>
+            <a:endParaRPr lang="en-US" dirty="0"/>
+          </a:p>
+          <a:p>
+            <a:r>
+              <a:rPr lang="en-US" i="1" dirty="0"/>
+              <a:t>Parallelizing</a:t>
+            </a:r>
+            <a:r>
+              <a:rPr lang="en-US" dirty="0"/>
+              <a:t> an existing collection in your driver program</a:t>
+            </a:r>
+          </a:p>
+          <a:p>
+            <a:r>
+              <a:rPr lang="en-US" dirty="0"/>
+              <a:t>Referencing a dataset in an external storage system, such as a shared filesystem, HDFS, HBase, or any data source offering a Hadoop </a:t>
+            </a:r>
+            <a:r>
+              <a:rPr lang="en-US" dirty="0" err="1"/>
+              <a:t>InputFormat</a:t>
+            </a:r>
+            <a:endParaRPr lang="en-US" dirty="0"/>
+          </a:p>
+          <a:p>
+            <a:r>
+              <a:rPr lang="en-US" dirty="0"/>
+              <a:t>By transformations on another RDD</a:t>
+            </a:r>
+          </a:p>
+        </p:txBody>
+      </p:sp>
+    </p:spTree>
+    <p:extLst>
+      <p:ext uri="{BB962C8B-B14F-4D97-AF65-F5344CB8AC3E}">
+        <p14:creationId xmlns:p14="http://schemas.microsoft.com/office/powerpoint/2010/main" val="1806057233"/>
+      </p:ext>
+    </p:extLst>
+  </p:cSld>
+  <p:clrMapOvr>
+    <a:masterClrMapping/>
+  </p:clrMapOvr>
+</p:sld>
+</file>
+
+<file path=ppt/slides/slide6.xml><?xml version="1.0" encoding="utf-8"?>
+<p:sld xmlns:a="http://schemas.openxmlformats.org/drawingml/2006/main" xmlns:r="http://schemas.openxmlformats.org/officeDocument/2006/relationships" xmlns:p="http://schemas.openxmlformats.org/presentationml/2006/main">
+  <p:cSld>
+    <p:spTree>
+      <p:nvGrpSpPr>
+        <p:cNvPr id="1" name=""/>
+        <p:cNvGrpSpPr/>
+        <p:nvPr/>
+      </p:nvGrpSpPr>
+      <p:grpSpPr>
+        <a:xfrm>
+          <a:off x="0" y="0"/>
+          <a:ext cx="0" cy="0"/>
+          <a:chOff x="0" y="0"/>
+          <a:chExt cx="0" cy="0"/>
+        </a:xfrm>
+      </p:grpSpPr>
+      <p:sp>
+        <p:nvSpPr>
+          <p:cNvPr id="2" name="Title 1">
+            <a:extLst>
+              <a:ext uri="{FF2B5EF4-FFF2-40B4-BE49-F238E27FC236}">
                 <a16:creationId xmlns:a16="http://schemas.microsoft.com/office/drawing/2014/main" id="{CCF1C058-EE4F-2645-AEB0-78CE7D2E0135}"/>
               </a:ext>
             </a:extLst>
@@ -4152,7 +5680,7 @@
 </p:sld>
 </file>
 
-<file path=ppt/slides/slide5.xml><?xml version="1.0" encoding="utf-8"?>
+<file path=ppt/slides/slide7.xml><?xml version="1.0" encoding="utf-8"?>
 <p:sld xmlns:a="http://schemas.openxmlformats.org/drawingml/2006/main" xmlns:r="http://schemas.openxmlformats.org/officeDocument/2006/relationships" xmlns:p="http://schemas.openxmlformats.org/presentationml/2006/main">
   <p:cSld>
     <p:spTree>
@@ -4376,7 +5904,7 @@
 </p:sld>
 </file>
 
-<file path=ppt/slides/slide6.xml><?xml version="1.0" encoding="utf-8"?>
+<file path=ppt/slides/slide8.xml><?xml version="1.0" encoding="utf-8"?>
 <p:sld xmlns:a="http://schemas.openxmlformats.org/drawingml/2006/main" xmlns:r="http://schemas.openxmlformats.org/officeDocument/2006/relationships" xmlns:p="http://schemas.openxmlformats.org/presentationml/2006/main">
   <p:cSld>
     <p:spTree>
@@ -4510,7 +6038,7 @@
 </p:sld>
 </file>
 
-<file path=ppt/slides/slide7.xml><?xml version="1.0" encoding="utf-8"?>
+<file path=ppt/slides/slide9.xml><?xml version="1.0" encoding="utf-8"?>
 <p:sld xmlns:a="http://schemas.openxmlformats.org/drawingml/2006/main" xmlns:r="http://schemas.openxmlformats.org/officeDocument/2006/relationships" xmlns:p="http://schemas.openxmlformats.org/presentationml/2006/main">
   <p:cSld>
     <p:spTree>
@@ -4549,40 +6077,43 @@
           <a:lstStyle/>
           <a:p>
             <a:r>
-              <a:rPr lang="en-US" b="1" dirty="0"/>
-              <a:t>Resilient Distributed Datasets (RDDs)</a:t>
-            </a:r>
-            <a:endParaRPr lang="en-US" dirty="0"/>
-          </a:p>
-        </p:txBody>
-      </p:sp>
-      <p:sp>
-        <p:nvSpPr>
-          <p:cNvPr id="3" name="Content Placeholder 2">
-            <a:extLst>
-              <a:ext uri="{FF2B5EF4-FFF2-40B4-BE49-F238E27FC236}">
-                <a16:creationId xmlns:a16="http://schemas.microsoft.com/office/drawing/2014/main" id="{F11BDE3E-8BC6-2741-893A-9CA0868A370E}"/>
-              </a:ext>
-            </a:extLst>
-          </p:cNvPr>
-          <p:cNvSpPr>
-            <a:spLocks noGrp="1"/>
-          </p:cNvSpPr>
-          <p:nvPr>
-            <p:ph idx="1"/>
-          </p:nvPr>
-        </p:nvSpPr>
-        <p:spPr/>
-        <p:txBody>
-          <a:bodyPr/>
-          <a:lstStyle/>
-          <a:p>
-            <a:pPr marL="0" indent="0">
-              <a:buNone/>
-            </a:pPr>
-            <a:r>
               <a:rPr lang="en-US" dirty="0"/>
               <a:t>Transformations on RDDs</a:t>
+            </a:r>
+            <a:br>
+              <a:rPr lang="en-US" dirty="0"/>
+            </a:br>
+            <a:endParaRPr lang="en-US" dirty="0"/>
+          </a:p>
+        </p:txBody>
+      </p:sp>
+      <p:sp>
+        <p:nvSpPr>
+          <p:cNvPr id="3" name="Content Placeholder 2">
+            <a:extLst>
+              <a:ext uri="{FF2B5EF4-FFF2-40B4-BE49-F238E27FC236}">
+                <a16:creationId xmlns:a16="http://schemas.microsoft.com/office/drawing/2014/main" id="{F11BDE3E-8BC6-2741-893A-9CA0868A370E}"/>
+              </a:ext>
+            </a:extLst>
+          </p:cNvPr>
+          <p:cNvSpPr>
+            <a:spLocks noGrp="1"/>
+          </p:cNvSpPr>
+          <p:nvPr>
+            <p:ph idx="1"/>
+          </p:nvPr>
+        </p:nvSpPr>
+        <p:spPr/>
+        <p:txBody>
+          <a:bodyPr/>
+          <a:lstStyle/>
+          <a:p>
+            <a:pPr marL="0" indent="0">
+              <a:buNone/>
+            </a:pPr>
+            <a:r>
+              <a:rPr lang="en-US" dirty="0"/>
+              <a:t>Transform one RDD to another</a:t>
             </a:r>
           </a:p>
           <a:p>
@@ -4698,266 +6229,6 @@
     <p:extLst>
       <p:ext uri="{BB962C8B-B14F-4D97-AF65-F5344CB8AC3E}">
         <p14:creationId xmlns:p14="http://schemas.microsoft.com/office/powerpoint/2010/main" val="1249732562"/>
-      </p:ext>
-    </p:extLst>
-  </p:cSld>
-  <p:clrMapOvr>
-    <a:masterClrMapping/>
-  </p:clrMapOvr>
-</p:sld>
-</file>
-
-<file path=ppt/slides/slide8.xml><?xml version="1.0" encoding="utf-8"?>
-<p:sld xmlns:a="http://schemas.openxmlformats.org/drawingml/2006/main" xmlns:r="http://schemas.openxmlformats.org/officeDocument/2006/relationships" xmlns:p="http://schemas.openxmlformats.org/presentationml/2006/main">
-  <p:cSld>
-    <p:spTree>
-      <p:nvGrpSpPr>
-        <p:cNvPr id="1" name=""/>
-        <p:cNvGrpSpPr/>
-        <p:nvPr/>
-      </p:nvGrpSpPr>
-      <p:grpSpPr>
-        <a:xfrm>
-          <a:off x="0" y="0"/>
-          <a:ext cx="0" cy="0"/>
-          <a:chOff x="0" y="0"/>
-          <a:chExt cx="0" cy="0"/>
-        </a:xfrm>
-      </p:grpSpPr>
-      <p:sp>
-        <p:nvSpPr>
-          <p:cNvPr id="2" name="Title 1">
-            <a:extLst>
-              <a:ext uri="{FF2B5EF4-FFF2-40B4-BE49-F238E27FC236}">
-                <a16:creationId xmlns:a16="http://schemas.microsoft.com/office/drawing/2014/main" id="{DFBC6995-8EC3-F347-A740-2B7C32D3FB4F}"/>
-              </a:ext>
-            </a:extLst>
-          </p:cNvPr>
-          <p:cNvSpPr>
-            <a:spLocks noGrp="1"/>
-          </p:cNvSpPr>
-          <p:nvPr>
-            <p:ph type="title"/>
-          </p:nvPr>
-        </p:nvSpPr>
-        <p:spPr/>
-        <p:txBody>
-          <a:bodyPr/>
-          <a:lstStyle/>
-          <a:p>
-            <a:r>
-              <a:rPr lang="en-US" b="1" dirty="0"/>
-              <a:t>Resilient Distributed Datasets (RDDs)</a:t>
-            </a:r>
-            <a:endParaRPr lang="en-US" dirty="0"/>
-          </a:p>
-        </p:txBody>
-      </p:sp>
-      <p:sp>
-        <p:nvSpPr>
-          <p:cNvPr id="3" name="Content Placeholder 2">
-            <a:extLst>
-              <a:ext uri="{FF2B5EF4-FFF2-40B4-BE49-F238E27FC236}">
-                <a16:creationId xmlns:a16="http://schemas.microsoft.com/office/drawing/2014/main" id="{9CB3E332-5CD0-9449-BC47-6AB6BC59C153}"/>
-              </a:ext>
-            </a:extLst>
-          </p:cNvPr>
-          <p:cNvSpPr>
-            <a:spLocks noGrp="1"/>
-          </p:cNvSpPr>
-          <p:nvPr>
-            <p:ph idx="1"/>
-          </p:nvPr>
-        </p:nvSpPr>
-        <p:spPr/>
-        <p:txBody>
-          <a:bodyPr/>
-          <a:lstStyle/>
-          <a:p>
-            <a:r>
-              <a:rPr lang="en-US" dirty="0"/>
-              <a:t>To get the results of a transformation back to the driver, you must issue an </a:t>
-            </a:r>
-            <a:r>
-              <a:rPr lang="en-US" b="1" i="1" dirty="0"/>
-              <a:t>action</a:t>
-            </a:r>
-          </a:p>
-          <a:p>
-            <a:endParaRPr lang="en-US" b="1" i="1" dirty="0"/>
-          </a:p>
-          <a:p>
-            <a:pPr marL="0" indent="0">
-              <a:buNone/>
-            </a:pPr>
-            <a:r>
-              <a:rPr lang="it" dirty="0"/>
-              <a:t>        </a:t>
-            </a:r>
-            <a:r>
-              <a:rPr lang="en-US" dirty="0"/>
-              <a:t>&gt;&gt;&gt;</a:t>
-            </a:r>
-            <a:r>
-              <a:rPr lang="it" dirty="0"/>
-              <a:t>  data = [1, 2, 3, 4, 5]</a:t>
-            </a:r>
-          </a:p>
-          <a:p>
-            <a:pPr marL="0" indent="0">
-              <a:buNone/>
-            </a:pPr>
-            <a:r>
-              <a:rPr lang="it" dirty="0"/>
-              <a:t>        </a:t>
-            </a:r>
-            <a:r>
-              <a:rPr lang="en-US" dirty="0"/>
-              <a:t>&gt;&gt;&gt;</a:t>
-            </a:r>
-            <a:r>
-              <a:rPr lang="it" dirty="0"/>
-              <a:t>  rdd1 = sc.parallelize(data)</a:t>
-            </a:r>
-          </a:p>
-          <a:p>
-            <a:pPr marL="0" indent="0">
-              <a:buNone/>
-            </a:pPr>
-            <a:r>
-              <a:rPr lang="it" dirty="0"/>
-              <a:t>        </a:t>
-            </a:r>
-            <a:r>
-              <a:rPr lang="en-US" dirty="0"/>
-              <a:t>&gt;&gt;&gt;</a:t>
-            </a:r>
-            <a:r>
-              <a:rPr lang="it" dirty="0"/>
-              <a:t>  rdd2 = rdd1.</a:t>
-            </a:r>
-            <a:r>
-              <a:rPr lang="it" b="1" i="1" dirty="0"/>
-              <a:t>map</a:t>
-            </a:r>
-            <a:r>
-              <a:rPr lang="it" dirty="0"/>
-              <a:t>(lambda x : x + 1)</a:t>
-            </a:r>
-          </a:p>
-          <a:p>
-            <a:pPr marL="0" indent="0">
-              <a:buNone/>
-            </a:pPr>
-            <a:r>
-              <a:rPr lang="it" dirty="0"/>
-              <a:t>        &gt;&gt;&gt;  rdd2.collect()</a:t>
-            </a:r>
-            <a:endParaRPr lang="en-US" dirty="0"/>
-          </a:p>
-          <a:p>
-            <a:endParaRPr lang="en-US" b="1" i="1" dirty="0"/>
-          </a:p>
-          <a:p>
-            <a:endParaRPr lang="en-US" b="1" i="1" dirty="0"/>
-          </a:p>
-          <a:p>
-            <a:endParaRPr lang="en-US" b="1" i="1" dirty="0"/>
-          </a:p>
-        </p:txBody>
-      </p:sp>
-    </p:spTree>
-    <p:extLst>
-      <p:ext uri="{BB962C8B-B14F-4D97-AF65-F5344CB8AC3E}">
-        <p14:creationId xmlns:p14="http://schemas.microsoft.com/office/powerpoint/2010/main" val="2499401436"/>
-      </p:ext>
-    </p:extLst>
-  </p:cSld>
-  <p:clrMapOvr>
-    <a:masterClrMapping/>
-  </p:clrMapOvr>
-</p:sld>
-</file>
-
-<file path=ppt/slides/slide9.xml><?xml version="1.0" encoding="utf-8"?>
-<p:sld xmlns:a="http://schemas.openxmlformats.org/drawingml/2006/main" xmlns:r="http://schemas.openxmlformats.org/officeDocument/2006/relationships" xmlns:p="http://schemas.openxmlformats.org/presentationml/2006/main">
-  <p:cSld>
-    <p:spTree>
-      <p:nvGrpSpPr>
-        <p:cNvPr id="1" name=""/>
-        <p:cNvGrpSpPr/>
-        <p:nvPr/>
-      </p:nvGrpSpPr>
-      <p:grpSpPr>
-        <a:xfrm>
-          <a:off x="0" y="0"/>
-          <a:ext cx="0" cy="0"/>
-          <a:chOff x="0" y="0"/>
-          <a:chExt cx="0" cy="0"/>
-        </a:xfrm>
-      </p:grpSpPr>
-      <p:sp>
-        <p:nvSpPr>
-          <p:cNvPr id="2" name="Title 1">
-            <a:extLst>
-              <a:ext uri="{FF2B5EF4-FFF2-40B4-BE49-F238E27FC236}">
-                <a16:creationId xmlns:a16="http://schemas.microsoft.com/office/drawing/2014/main" id="{3FF79537-8BC0-0B4F-AAA7-BD0D29EAE9F3}"/>
-              </a:ext>
-            </a:extLst>
-          </p:cNvPr>
-          <p:cNvSpPr>
-            <a:spLocks noGrp="1"/>
-          </p:cNvSpPr>
-          <p:nvPr>
-            <p:ph type="title"/>
-          </p:nvPr>
-        </p:nvSpPr>
-        <p:spPr/>
-        <p:txBody>
-          <a:bodyPr/>
-          <a:lstStyle/>
-          <a:p>
-            <a:r>
-              <a:rPr lang="en-US" b="1" dirty="0"/>
-              <a:t>Resilient Distributed Datasets (RDDs)</a:t>
-            </a:r>
-            <a:endParaRPr lang="en-US" dirty="0"/>
-          </a:p>
-        </p:txBody>
-      </p:sp>
-      <p:pic>
-        <p:nvPicPr>
-          <p:cNvPr id="5" name="Content Placeholder 4" descr="A screenshot of a cell phone&#13;&#10;&#13;&#10;Description automatically generated">
-            <a:extLst>
-              <a:ext uri="{FF2B5EF4-FFF2-40B4-BE49-F238E27FC236}">
-                <a16:creationId xmlns:a16="http://schemas.microsoft.com/office/drawing/2014/main" id="{CCFFCA30-ACFA-3B47-8BE4-180A79426891}"/>
-              </a:ext>
-            </a:extLst>
-          </p:cNvPr>
-          <p:cNvPicPr>
-            <a:picLocks noGrp="1" noChangeAspect="1"/>
-          </p:cNvPicPr>
-          <p:nvPr>
-            <p:ph idx="1"/>
-          </p:nvPr>
-        </p:nvPicPr>
-        <p:blipFill>
-          <a:blip r:embed="rId2"/>
-          <a:stretch>
-            <a:fillRect/>
-          </a:stretch>
-        </p:blipFill>
-        <p:spPr>
-          <a:xfrm>
-            <a:off x="1443392" y="1304823"/>
-            <a:ext cx="7611882" cy="5417710"/>
-          </a:xfrm>
-        </p:spPr>
-      </p:pic>
-    </p:spTree>
-    <p:extLst>
-      <p:ext uri="{BB962C8B-B14F-4D97-AF65-F5344CB8AC3E}">
-        <p14:creationId xmlns:p14="http://schemas.microsoft.com/office/powerpoint/2010/main" val="4094978329"/>
       </p:ext>
     </p:extLst>
   </p:cSld>

--- a/spark/03-RDDs/01-BasicRdds.pptx
+++ b/spark/03-RDDs/01-BasicRdds.pptx
@@ -273,7 +273,7 @@
           <a:p>
             <a:fld id="{B1258F8C-E849-F148-BF62-3FFCB3EA6A2E}" type="datetimeFigureOut">
               <a:rPr lang="en-US" smtClean="0"/>
-              <a:t>1/7/19</a:t>
+              <a:t>1/26/19</a:t>
             </a:fld>
             <a:endParaRPr lang="en-US"/>
           </a:p>
@@ -471,7 +471,7 @@
           <a:p>
             <a:fld id="{B1258F8C-E849-F148-BF62-3FFCB3EA6A2E}" type="datetimeFigureOut">
               <a:rPr lang="en-US" smtClean="0"/>
-              <a:t>1/7/19</a:t>
+              <a:t>1/26/19</a:t>
             </a:fld>
             <a:endParaRPr lang="en-US"/>
           </a:p>
@@ -679,7 +679,7 @@
           <a:p>
             <a:fld id="{B1258F8C-E849-F148-BF62-3FFCB3EA6A2E}" type="datetimeFigureOut">
               <a:rPr lang="en-US" smtClean="0"/>
-              <a:t>1/7/19</a:t>
+              <a:t>1/26/19</a:t>
             </a:fld>
             <a:endParaRPr lang="en-US"/>
           </a:p>
@@ -877,7 +877,7 @@
           <a:p>
             <a:fld id="{B1258F8C-E849-F148-BF62-3FFCB3EA6A2E}" type="datetimeFigureOut">
               <a:rPr lang="en-US" smtClean="0"/>
-              <a:t>1/7/19</a:t>
+              <a:t>1/26/19</a:t>
             </a:fld>
             <a:endParaRPr lang="en-US"/>
           </a:p>
@@ -1152,7 +1152,7 @@
           <a:p>
             <a:fld id="{B1258F8C-E849-F148-BF62-3FFCB3EA6A2E}" type="datetimeFigureOut">
               <a:rPr lang="en-US" smtClean="0"/>
-              <a:t>1/7/19</a:t>
+              <a:t>1/26/19</a:t>
             </a:fld>
             <a:endParaRPr lang="en-US"/>
           </a:p>
@@ -1417,7 +1417,7 @@
           <a:p>
             <a:fld id="{B1258F8C-E849-F148-BF62-3FFCB3EA6A2E}" type="datetimeFigureOut">
               <a:rPr lang="en-US" smtClean="0"/>
-              <a:t>1/7/19</a:t>
+              <a:t>1/26/19</a:t>
             </a:fld>
             <a:endParaRPr lang="en-US"/>
           </a:p>
@@ -1829,7 +1829,7 @@
           <a:p>
             <a:fld id="{B1258F8C-E849-F148-BF62-3FFCB3EA6A2E}" type="datetimeFigureOut">
               <a:rPr lang="en-US" smtClean="0"/>
-              <a:t>1/7/19</a:t>
+              <a:t>1/26/19</a:t>
             </a:fld>
             <a:endParaRPr lang="en-US"/>
           </a:p>
@@ -1970,7 +1970,7 @@
           <a:p>
             <a:fld id="{B1258F8C-E849-F148-BF62-3FFCB3EA6A2E}" type="datetimeFigureOut">
               <a:rPr lang="en-US" smtClean="0"/>
-              <a:t>1/7/19</a:t>
+              <a:t>1/26/19</a:t>
             </a:fld>
             <a:endParaRPr lang="en-US"/>
           </a:p>
@@ -2083,7 +2083,7 @@
           <a:p>
             <a:fld id="{B1258F8C-E849-F148-BF62-3FFCB3EA6A2E}" type="datetimeFigureOut">
               <a:rPr lang="en-US" smtClean="0"/>
-              <a:t>1/7/19</a:t>
+              <a:t>1/26/19</a:t>
             </a:fld>
             <a:endParaRPr lang="en-US"/>
           </a:p>
@@ -2394,7 +2394,7 @@
           <a:p>
             <a:fld id="{B1258F8C-E849-F148-BF62-3FFCB3EA6A2E}" type="datetimeFigureOut">
               <a:rPr lang="en-US" smtClean="0"/>
-              <a:t>1/7/19</a:t>
+              <a:t>1/26/19</a:t>
             </a:fld>
             <a:endParaRPr lang="en-US"/>
           </a:p>
@@ -2682,7 +2682,7 @@
           <a:p>
             <a:fld id="{B1258F8C-E849-F148-BF62-3FFCB3EA6A2E}" type="datetimeFigureOut">
               <a:rPr lang="en-US" smtClean="0"/>
-              <a:t>1/7/19</a:t>
+              <a:t>1/26/19</a:t>
             </a:fld>
             <a:endParaRPr lang="en-US"/>
           </a:p>
@@ -2923,7 +2923,7 @@
           <a:p>
             <a:fld id="{B1258F8C-E849-F148-BF62-3FFCB3EA6A2E}" type="datetimeFigureOut">
               <a:rPr lang="en-US" smtClean="0"/>
-              <a:t>1/7/19</a:t>
+              <a:t>1/26/19</a:t>
             </a:fld>
             <a:endParaRPr lang="en-US"/>
           </a:p>
@@ -3395,7 +3395,10 @@
           <a:bodyPr/>
           <a:lstStyle/>
           <a:p>
-            <a:endParaRPr lang="en-US"/>
+            <a:r>
+              <a:rPr lang="en-US" dirty="0"/>
+              <a:t>A brief Introduction</a:t>
+            </a:r>
           </a:p>
         </p:txBody>
       </p:sp>
@@ -3856,9 +3859,12 @@
           <a:lstStyle/>
           <a:p>
             <a:r>
-              <a:rPr lang="en-US" b="1" dirty="0"/>
-              <a:t>Resilient Distributed Datasets (RDDs)</a:t>
-            </a:r>
+              <a:rPr lang="en-US" b="1" i="1" dirty="0"/>
+              <a:t>Transformations are lazy</a:t>
+            </a:r>
+            <a:br>
+              <a:rPr lang="en-US" b="1" i="1" dirty="0"/>
+            </a:br>
             <a:endParaRPr lang="en-US" dirty="0"/>
           </a:p>
         </p:txBody>
@@ -3884,9 +3890,20 @@
           <a:bodyPr/>
           <a:lstStyle/>
           <a:p>
+            <a:pPr marL="0" indent="0">
+              <a:buNone/>
+            </a:pPr>
             <a:r>
               <a:rPr lang="en-US" dirty="0"/>
-              <a:t>To get the results of a transformation back to the driver, you must issue an </a:t>
+              <a:t>To get the results of </a:t>
+            </a:r>
+            <a:r>
+              <a:rPr lang="en-US" b="1" i="1" dirty="0"/>
+              <a:t>a transformation </a:t>
+            </a:r>
+            <a:r>
+              <a:rPr lang="en-US" dirty="0"/>
+              <a:t>back to the driver, you must issue an </a:t>
             </a:r>
             <a:r>
               <a:rPr lang="en-US" b="1" i="1" dirty="0"/>
@@ -3952,7 +3969,24 @@
             </a:r>
             <a:r>
               <a:rPr lang="it" dirty="0"/>
-              <a:t>(lambda x : x + 1)</a:t>
+              <a:t>(lambda x : x + 1)  </a:t>
+            </a:r>
+          </a:p>
+          <a:p>
+            <a:pPr marL="0" indent="0">
+              <a:buNone/>
+            </a:pPr>
+            <a:r>
+              <a:rPr lang="it" dirty="0"/>
+              <a:t>                 </a:t>
+            </a:r>
+            <a:r>
+              <a:rPr lang="it" b="1" i="1" dirty="0">
+                <a:solidFill>
+                  <a:srgbClr val="C00000"/>
+                </a:solidFill>
+              </a:rPr>
+              <a:t>###  Nothing happens until »collect» is executed</a:t>
             </a:r>
           </a:p>
           <a:p>
@@ -4108,14 +4142,10 @@
               <a:buNone/>
             </a:pPr>
             <a:r>
-              <a:rPr lang="en-US" dirty="0"/>
-              <a:t>Reference : </a:t>
-            </a:r>
-            <a:r>
-              <a:rPr lang="fr" dirty="0">
+              <a:rPr lang="en-US" dirty="0">
                 <a:hlinkClick r:id="rId2"/>
               </a:rPr>
-              <a:t>https://spark.apache.org/docs/latest/rdd-programming-guide.html - actions</a:t>
+              <a:t>Reference</a:t>
             </a:r>
             <a:endParaRPr lang="en-US" dirty="0"/>
           </a:p>
@@ -5071,7 +5101,9 @@
         </p:nvSpPr>
         <p:spPr/>
         <p:txBody>
-          <a:bodyPr/>
+          <a:bodyPr>
+            <a:normAutofit lnSpcReduction="10000"/>
+          </a:bodyPr>
           <a:lstStyle/>
           <a:p>
             <a:r>
@@ -5149,26 +5181,34 @@
             <a:pPr marL="457200" lvl="1" indent="0">
               <a:buNone/>
             </a:pPr>
-            <a:r>
-              <a:rPr lang="en-US" dirty="0"/>
-              <a:t>                                                                                                </a:t>
-            </a:r>
+            <a:endParaRPr lang="en-US" dirty="0"/>
+          </a:p>
+          <a:p>
+            <a:pPr marL="457200" lvl="1" indent="0">
+              <a:buNone/>
+            </a:pPr>
             <a:r>
               <a:rPr lang="en-US" dirty="0">
                 <a:hlinkClick r:id="rId2"/>
               </a:rPr>
-              <a:t>[Source]</a:t>
-            </a:r>
+              <a:t>Reference</a:t>
+            </a:r>
+            <a:endParaRPr lang="en-US" dirty="0"/>
+          </a:p>
+          <a:p>
+            <a:pPr marL="457200" lvl="1" indent="0">
+              <a:buNone/>
+            </a:pPr>
             <a:endParaRPr lang="en-US" dirty="0"/>
           </a:p>
         </p:txBody>
       </p:sp>
       <p:pic>
         <p:nvPicPr>
-          <p:cNvPr id="5" name="Picture 4" descr="A close up of a calculator&#13;&#10;&#13;&#10;Description automatically generated">
-            <a:extLst>
-              <a:ext uri="{FF2B5EF4-FFF2-40B4-BE49-F238E27FC236}">
-                <a16:creationId xmlns:a16="http://schemas.microsoft.com/office/drawing/2014/main" id="{2D898E92-1423-0944-96E7-C923ED1B02DC}"/>
+          <p:cNvPr id="6" name="Picture 5" descr="A screenshot of a cell phone&#13;&#10;&#13;&#10;Description automatically generated">
+            <a:extLst>
+              <a:ext uri="{FF2B5EF4-FFF2-40B4-BE49-F238E27FC236}">
+                <a16:creationId xmlns:a16="http://schemas.microsoft.com/office/drawing/2014/main" id="{BBB3260D-D59B-FF4D-8CD1-DFD0AEAF49DF}"/>
               </a:ext>
             </a:extLst>
           </p:cNvPr>
@@ -5185,8 +5225,8 @@
         </p:blipFill>
         <p:spPr>
           <a:xfrm>
-            <a:off x="6691778" y="2167127"/>
-            <a:ext cx="4465250" cy="3063875"/>
+            <a:off x="6432714" y="1690688"/>
+            <a:ext cx="5213693" cy="3371596"/>
           </a:xfrm>
           <a:prstGeom prst="rect">
             <a:avLst/>
@@ -5447,7 +5487,7 @@
           </a:p>
           <a:p>
             <a:r>
-              <a:rPr lang="en-US" i="1" dirty="0"/>
+              <a:rPr lang="en-US" b="1" i="1" dirty="0"/>
               <a:t>Parallelizing</a:t>
             </a:r>
             <a:r>
@@ -5457,8 +5497,12 @@
           </a:p>
           <a:p>
             <a:r>
+              <a:rPr lang="en-US" b="1" i="1" dirty="0"/>
+              <a:t>Referencing a dataset </a:t>
+            </a:r>
+            <a:r>
               <a:rPr lang="en-US" dirty="0"/>
-              <a:t>Referencing a dataset in an external storage system, such as a shared filesystem, HDFS, HBase, or any data source offering a Hadoop </a:t>
+              <a:t>in an external storage system, such as a shared filesystem, HDFS, HBase, or any data source offering a Hadoop </a:t>
             </a:r>
             <a:r>
               <a:rPr lang="en-US" dirty="0" err="1"/>
@@ -5469,7 +5513,15 @@
           <a:p>
             <a:r>
               <a:rPr lang="en-US" dirty="0"/>
-              <a:t>By transformations on another RDD</a:t>
+              <a:t>By </a:t>
+            </a:r>
+            <a:r>
+              <a:rPr lang="en-US" b="1" i="1" dirty="0"/>
+              <a:t>transformations</a:t>
+            </a:r>
+            <a:r>
+              <a:rPr lang="en-US" dirty="0"/>
+              <a:t> on another RDD</a:t>
             </a:r>
           </a:p>
         </p:txBody>
@@ -5628,7 +5680,7 @@
               <a:buNone/>
             </a:pPr>
             <a:r>
-              <a:rPr lang="en-US" dirty="0"/>
+              <a:rPr lang="en-US" b="1" i="1" dirty="0"/>
               <a:t>Referencing a dataset</a:t>
             </a:r>
           </a:p>
@@ -6176,6 +6228,30 @@
             <a:pPr marL="0" indent="0">
               <a:buNone/>
             </a:pPr>
+            <a:r>
+              <a:rPr lang="en-US" dirty="0">
+                <a:hlinkClick r:id="rId2"/>
+              </a:rPr>
+              <a:t>Reference</a:t>
+            </a:r>
+            <a:endParaRPr lang="en-US" dirty="0"/>
+          </a:p>
+          <a:p>
+            <a:pPr marL="0" indent="0">
+              <a:buNone/>
+            </a:pPr>
+            <a:endParaRPr lang="en-US" dirty="0"/>
+          </a:p>
+          <a:p>
+            <a:pPr marL="0" indent="0">
+              <a:buNone/>
+            </a:pPr>
+            <a:endParaRPr lang="en-US" dirty="0"/>
+          </a:p>
+          <a:p>
+            <a:pPr marL="0" indent="0">
+              <a:buNone/>
+            </a:pPr>
             <a:endParaRPr lang="en-US" dirty="0"/>
           </a:p>
           <a:p>
@@ -6210,7 +6286,7 @@
           <p:nvPr/>
         </p:nvPicPr>
         <p:blipFill>
-          <a:blip r:embed="rId2"/>
+          <a:blip r:embed="rId3"/>
           <a:stretch>
             <a:fillRect/>
           </a:stretch>
